--- a/How Does a Bike-Share  Navigate Speedy Success.pptx
+++ b/How Does a Bike-Share  Navigate Speedy Success.pptx
@@ -850,7 +850,7 @@
   <p:cSld>
     <p:spTree>
       <p:nvGrpSpPr>
-        <p:cNvPr id="125" name="Shape 125"/>
+        <p:cNvPr id="134" name="Shape 134"/>
         <p:cNvGrpSpPr/>
         <p:nvPr/>
       </p:nvGrpSpPr>
@@ -864,7 +864,7 @@
       </p:grpSpPr>
       <p:sp>
         <p:nvSpPr>
-          <p:cNvPr id="126" name="Google Shape;126;g19a8380e082_0_595:notes"/>
+          <p:cNvPr id="135" name="Google Shape;135;g19a8380e082_0_556:notes"/>
           <p:cNvSpPr/>
           <p:nvPr>
             <p:ph idx="2" type="sldImg"/>
@@ -899,7 +899,7 @@
       </p:sp>
       <p:sp>
         <p:nvSpPr>
-          <p:cNvPr id="127" name="Google Shape;127;g19a8380e082_0_595:notes"/>
+          <p:cNvPr id="136" name="Google Shape;136;g19a8380e082_0_556:notes"/>
           <p:cNvSpPr txBox="1"/>
           <p:nvPr>
             <p:ph idx="1" type="body"/>
@@ -949,7 +949,7 @@
   <p:cSld>
     <p:spTree>
       <p:nvGrpSpPr>
-        <p:cNvPr id="132" name="Shape 132"/>
+        <p:cNvPr id="142" name="Shape 142"/>
         <p:cNvGrpSpPr/>
         <p:nvPr/>
       </p:nvGrpSpPr>
@@ -963,7 +963,7 @@
       </p:grpSpPr>
       <p:sp>
         <p:nvSpPr>
-          <p:cNvPr id="133" name="Google Shape;133;g19a8380e082_0_556:notes"/>
+          <p:cNvPr id="143" name="Google Shape;143;g19a8380e082_0_602:notes"/>
           <p:cNvSpPr/>
           <p:nvPr>
             <p:ph idx="2" type="sldImg"/>
@@ -998,7 +998,7 @@
       </p:sp>
       <p:sp>
         <p:nvSpPr>
-          <p:cNvPr id="134" name="Google Shape;134;g19a8380e082_0_556:notes"/>
+          <p:cNvPr id="144" name="Google Shape;144;g19a8380e082_0_602:notes"/>
           <p:cNvSpPr txBox="1"/>
           <p:nvPr>
             <p:ph idx="1" type="body"/>
@@ -1048,7 +1048,7 @@
   <p:cSld>
     <p:spTree>
       <p:nvGrpSpPr>
-        <p:cNvPr id="140" name="Shape 140"/>
+        <p:cNvPr id="149" name="Shape 149"/>
         <p:cNvGrpSpPr/>
         <p:nvPr/>
       </p:nvGrpSpPr>
@@ -1062,7 +1062,7 @@
       </p:grpSpPr>
       <p:sp>
         <p:nvSpPr>
-          <p:cNvPr id="141" name="Google Shape;141;g19a8380e082_0_602:notes"/>
+          <p:cNvPr id="150" name="Google Shape;150;g19a8380e082_0_610:notes"/>
           <p:cNvSpPr/>
           <p:nvPr>
             <p:ph idx="2" type="sldImg"/>
@@ -1097,7 +1097,7 @@
       </p:sp>
       <p:sp>
         <p:nvSpPr>
-          <p:cNvPr id="142" name="Google Shape;142;g19a8380e082_0_602:notes"/>
+          <p:cNvPr id="151" name="Google Shape;151;g19a8380e082_0_610:notes"/>
           <p:cNvSpPr txBox="1"/>
           <p:nvPr>
             <p:ph idx="1" type="body"/>
@@ -1147,7 +1147,7 @@
   <p:cSld>
     <p:spTree>
       <p:nvGrpSpPr>
-        <p:cNvPr id="147" name="Shape 147"/>
+        <p:cNvPr id="157" name="Shape 157"/>
         <p:cNvGrpSpPr/>
         <p:nvPr/>
       </p:nvGrpSpPr>
@@ -1161,7 +1161,7 @@
       </p:grpSpPr>
       <p:sp>
         <p:nvSpPr>
-          <p:cNvPr id="148" name="Google Shape;148;g19a8380e082_0_610:notes"/>
+          <p:cNvPr id="158" name="Google Shape;158;g19a8380e082_0_623:notes"/>
           <p:cNvSpPr/>
           <p:nvPr>
             <p:ph idx="2" type="sldImg"/>
@@ -1196,7 +1196,7 @@
       </p:sp>
       <p:sp>
         <p:nvSpPr>
-          <p:cNvPr id="149" name="Google Shape;149;g19a8380e082_0_610:notes"/>
+          <p:cNvPr id="159" name="Google Shape;159;g19a8380e082_0_623:notes"/>
           <p:cNvSpPr txBox="1"/>
           <p:nvPr>
             <p:ph idx="1" type="body"/>
@@ -1246,7 +1246,7 @@
   <p:cSld>
     <p:spTree>
       <p:nvGrpSpPr>
-        <p:cNvPr id="155" name="Shape 155"/>
+        <p:cNvPr id="164" name="Shape 164"/>
         <p:cNvGrpSpPr/>
         <p:nvPr/>
       </p:nvGrpSpPr>
@@ -1260,7 +1260,7 @@
       </p:grpSpPr>
       <p:sp>
         <p:nvSpPr>
-          <p:cNvPr id="156" name="Google Shape;156;g19a8380e082_0_623:notes"/>
+          <p:cNvPr id="165" name="Google Shape;165;g19a8380e082_0_634:notes"/>
           <p:cNvSpPr/>
           <p:nvPr>
             <p:ph idx="2" type="sldImg"/>
@@ -1295,7 +1295,7 @@
       </p:sp>
       <p:sp>
         <p:nvSpPr>
-          <p:cNvPr id="157" name="Google Shape;157;g19a8380e082_0_623:notes"/>
+          <p:cNvPr id="166" name="Google Shape;166;g19a8380e082_0_634:notes"/>
           <p:cNvSpPr txBox="1"/>
           <p:nvPr>
             <p:ph idx="1" type="body"/>
@@ -1345,7 +1345,7 @@
   <p:cSld>
     <p:spTree>
       <p:nvGrpSpPr>
-        <p:cNvPr id="162" name="Shape 162"/>
+        <p:cNvPr id="171" name="Shape 171"/>
         <p:cNvGrpSpPr/>
         <p:nvPr/>
       </p:nvGrpSpPr>
@@ -1359,7 +1359,7 @@
       </p:grpSpPr>
       <p:sp>
         <p:nvSpPr>
-          <p:cNvPr id="163" name="Google Shape;163;g19a8380e082_0_634:notes"/>
+          <p:cNvPr id="172" name="Google Shape;172;g1d6ce66fac4_1_3:notes"/>
           <p:cNvSpPr/>
           <p:nvPr>
             <p:ph idx="2" type="sldImg"/>
@@ -1394,7 +1394,7 @@
       </p:sp>
       <p:sp>
         <p:nvSpPr>
-          <p:cNvPr id="164" name="Google Shape;164;g19a8380e082_0_634:notes"/>
+          <p:cNvPr id="173" name="Google Shape;173;g1d6ce66fac4_1_3:notes"/>
           <p:cNvSpPr txBox="1"/>
           <p:nvPr>
             <p:ph idx="1" type="body"/>
@@ -1444,7 +1444,7 @@
   <p:cSld>
     <p:spTree>
       <p:nvGrpSpPr>
-        <p:cNvPr id="169" name="Shape 169"/>
+        <p:cNvPr id="212" name="Shape 212"/>
         <p:cNvGrpSpPr/>
         <p:nvPr/>
       </p:nvGrpSpPr>
@@ -1458,7 +1458,7 @@
       </p:grpSpPr>
       <p:sp>
         <p:nvSpPr>
-          <p:cNvPr id="170" name="Google Shape;170;g19a8380e082_0_643:notes"/>
+          <p:cNvPr id="213" name="Google Shape;213;g1d50602b842_0_26:notes"/>
           <p:cNvSpPr/>
           <p:nvPr>
             <p:ph idx="2" type="sldImg"/>
@@ -1493,7 +1493,7 @@
       </p:sp>
       <p:sp>
         <p:nvSpPr>
-          <p:cNvPr id="171" name="Google Shape;171;g19a8380e082_0_643:notes"/>
+          <p:cNvPr id="214" name="Google Shape;214;g1d50602b842_0_26:notes"/>
           <p:cNvSpPr txBox="1"/>
           <p:nvPr>
             <p:ph idx="1" type="body"/>
@@ -1642,7 +1642,7 @@
   <p:cSld>
     <p:spTree>
       <p:nvGrpSpPr>
-        <p:cNvPr id="72" name="Shape 72"/>
+        <p:cNvPr id="81" name="Shape 81"/>
         <p:cNvGrpSpPr/>
         <p:nvPr/>
       </p:nvGrpSpPr>
@@ -1656,7 +1656,7 @@
       </p:grpSpPr>
       <p:sp>
         <p:nvSpPr>
-          <p:cNvPr id="73" name="Google Shape;73;g19a8380e082_0_255:notes"/>
+          <p:cNvPr id="82" name="Google Shape;82;g19a8380e082_0_255:notes"/>
           <p:cNvSpPr/>
           <p:nvPr>
             <p:ph idx="2" type="sldImg"/>
@@ -1691,7 +1691,7 @@
       </p:sp>
       <p:sp>
         <p:nvSpPr>
-          <p:cNvPr id="74" name="Google Shape;74;g19a8380e082_0_255:notes"/>
+          <p:cNvPr id="83" name="Google Shape;83;g19a8380e082_0_255:notes"/>
           <p:cNvSpPr txBox="1"/>
           <p:nvPr>
             <p:ph idx="1" type="body"/>
@@ -1741,7 +1741,7 @@
   <p:cSld>
     <p:spTree>
       <p:nvGrpSpPr>
-        <p:cNvPr id="79" name="Shape 79"/>
+        <p:cNvPr id="88" name="Shape 88"/>
         <p:cNvGrpSpPr/>
         <p:nvPr/>
       </p:nvGrpSpPr>
@@ -1755,7 +1755,7 @@
       </p:grpSpPr>
       <p:sp>
         <p:nvSpPr>
-          <p:cNvPr id="80" name="Google Shape;80;g19a8380e082_0_498:notes"/>
+          <p:cNvPr id="89" name="Google Shape;89;g19a8380e082_0_498:notes"/>
           <p:cNvSpPr/>
           <p:nvPr>
             <p:ph idx="2" type="sldImg"/>
@@ -1790,7 +1790,7 @@
       </p:sp>
       <p:sp>
         <p:nvSpPr>
-          <p:cNvPr id="81" name="Google Shape;81;g19a8380e082_0_498:notes"/>
+          <p:cNvPr id="90" name="Google Shape;90;g19a8380e082_0_498:notes"/>
           <p:cNvSpPr txBox="1"/>
           <p:nvPr>
             <p:ph idx="1" type="body"/>
@@ -1840,7 +1840,7 @@
   <p:cSld>
     <p:spTree>
       <p:nvGrpSpPr>
-        <p:cNvPr id="86" name="Shape 86"/>
+        <p:cNvPr id="95" name="Shape 95"/>
         <p:cNvGrpSpPr/>
         <p:nvPr/>
       </p:nvGrpSpPr>
@@ -1854,7 +1854,7 @@
       </p:grpSpPr>
       <p:sp>
         <p:nvSpPr>
-          <p:cNvPr id="87" name="Google Shape;87;g19a8380e082_0_511:notes"/>
+          <p:cNvPr id="96" name="Google Shape;96;g19a8380e082_0_511:notes"/>
           <p:cNvSpPr/>
           <p:nvPr>
             <p:ph idx="2" type="sldImg"/>
@@ -1889,7 +1889,7 @@
       </p:sp>
       <p:sp>
         <p:nvSpPr>
-          <p:cNvPr id="88" name="Google Shape;88;g19a8380e082_0_511:notes"/>
+          <p:cNvPr id="97" name="Google Shape;97;g19a8380e082_0_511:notes"/>
           <p:cNvSpPr txBox="1"/>
           <p:nvPr>
             <p:ph idx="1" type="body"/>
@@ -1939,7 +1939,7 @@
   <p:cSld>
     <p:spTree>
       <p:nvGrpSpPr>
-        <p:cNvPr id="94" name="Shape 94"/>
+        <p:cNvPr id="103" name="Shape 103"/>
         <p:cNvGrpSpPr/>
         <p:nvPr/>
       </p:nvGrpSpPr>
@@ -1953,7 +1953,7 @@
       </p:grpSpPr>
       <p:sp>
         <p:nvSpPr>
-          <p:cNvPr id="95" name="Google Shape;95;g19a8380e082_0_518:notes"/>
+          <p:cNvPr id="104" name="Google Shape;104;g19a8380e082_0_518:notes"/>
           <p:cNvSpPr/>
           <p:nvPr>
             <p:ph idx="2" type="sldImg"/>
@@ -1988,7 +1988,7 @@
       </p:sp>
       <p:sp>
         <p:nvSpPr>
-          <p:cNvPr id="96" name="Google Shape;96;g19a8380e082_0_518:notes"/>
+          <p:cNvPr id="105" name="Google Shape;105;g19a8380e082_0_518:notes"/>
           <p:cNvSpPr txBox="1"/>
           <p:nvPr>
             <p:ph idx="1" type="body"/>
@@ -2038,7 +2038,7 @@
   <p:cSld>
     <p:spTree>
       <p:nvGrpSpPr>
-        <p:cNvPr id="102" name="Shape 102"/>
+        <p:cNvPr id="111" name="Shape 111"/>
         <p:cNvGrpSpPr/>
         <p:nvPr/>
       </p:nvGrpSpPr>
@@ -2052,7 +2052,7 @@
       </p:grpSpPr>
       <p:sp>
         <p:nvSpPr>
-          <p:cNvPr id="103" name="Google Shape;103;g19a8380e082_0_525:notes"/>
+          <p:cNvPr id="112" name="Google Shape;112;g19a8380e082_0_525:notes"/>
           <p:cNvSpPr/>
           <p:nvPr>
             <p:ph idx="2" type="sldImg"/>
@@ -2087,7 +2087,7 @@
       </p:sp>
       <p:sp>
         <p:nvSpPr>
-          <p:cNvPr id="104" name="Google Shape;104;g19a8380e082_0_525:notes"/>
+          <p:cNvPr id="113" name="Google Shape;113;g19a8380e082_0_525:notes"/>
           <p:cNvSpPr txBox="1"/>
           <p:nvPr>
             <p:ph idx="1" type="body"/>
@@ -2137,7 +2137,7 @@
   <p:cSld>
     <p:spTree>
       <p:nvGrpSpPr>
-        <p:cNvPr id="109" name="Shape 109"/>
+        <p:cNvPr id="118" name="Shape 118"/>
         <p:cNvGrpSpPr/>
         <p:nvPr/>
       </p:nvGrpSpPr>
@@ -2151,7 +2151,7 @@
       </p:grpSpPr>
       <p:sp>
         <p:nvSpPr>
-          <p:cNvPr id="110" name="Google Shape;110;g19a8380e082_0_532:notes"/>
+          <p:cNvPr id="119" name="Google Shape;119;g19a8380e082_0_532:notes"/>
           <p:cNvSpPr/>
           <p:nvPr>
             <p:ph idx="2" type="sldImg"/>
@@ -2186,7 +2186,7 @@
       </p:sp>
       <p:sp>
         <p:nvSpPr>
-          <p:cNvPr id="111" name="Google Shape;111;g19a8380e082_0_532:notes"/>
+          <p:cNvPr id="120" name="Google Shape;120;g19a8380e082_0_532:notes"/>
           <p:cNvSpPr txBox="1"/>
           <p:nvPr>
             <p:ph idx="1" type="body"/>
@@ -2236,7 +2236,7 @@
   <p:cSld>
     <p:spTree>
       <p:nvGrpSpPr>
-        <p:cNvPr id="117" name="Shape 117"/>
+        <p:cNvPr id="126" name="Shape 126"/>
         <p:cNvGrpSpPr/>
         <p:nvPr/>
       </p:nvGrpSpPr>
@@ -2250,7 +2250,7 @@
       </p:grpSpPr>
       <p:sp>
         <p:nvSpPr>
-          <p:cNvPr id="118" name="Google Shape;118;g19a8380e082_0_543:notes"/>
+          <p:cNvPr id="127" name="Google Shape;127;g19a8380e082_0_543:notes"/>
           <p:cNvSpPr/>
           <p:nvPr>
             <p:ph idx="2" type="sldImg"/>
@@ -2285,7 +2285,7 @@
       </p:sp>
       <p:sp>
         <p:nvSpPr>
-          <p:cNvPr id="119" name="Google Shape;119;g19a8380e082_0_543:notes"/>
+          <p:cNvPr id="128" name="Google Shape;128;g19a8380e082_0_543:notes"/>
           <p:cNvSpPr txBox="1"/>
           <p:nvPr>
             <p:ph idx="1" type="body"/>
@@ -8569,7 +8569,7 @@
         <p:spPr>
           <a:xfrm>
             <a:off x="7257800" y="4545825"/>
-            <a:ext cx="1699200" cy="426300"/>
+            <a:ext cx="1343100" cy="426300"/>
           </a:xfrm>
           <a:prstGeom prst="rect">
             <a:avLst/>
@@ -8577,52 +8577,60 @@
         </p:spPr>
         <p:txBody>
           <a:bodyPr anchorCtr="0" anchor="t" bIns="91425" lIns="91425" spcFirstLastPara="1" rIns="91425" wrap="square" tIns="91425">
-            <a:normAutofit fontScale="55000" lnSpcReduction="10000"/>
+            <a:noAutofit/>
           </a:bodyPr>
           <a:lstStyle/>
           <a:p>
-            <a:pPr indent="0" lvl="0" marL="0" rtl="0" algn="l">
-              <a:spcBef>
-                <a:spcPts val="0"/>
-              </a:spcBef>
-              <a:spcAft>
-                <a:spcPts val="0"/>
-              </a:spcAft>
+            <a:pPr indent="0" lvl="0" marL="0" rtl="0" algn="r">
+              <a:lnSpc>
+                <a:spcPct val="90000"/>
+              </a:lnSpc>
+              <a:spcBef>
+                <a:spcPts val="0"/>
+              </a:spcBef>
+              <a:spcAft>
+                <a:spcPts val="0"/>
+              </a:spcAft>
+              <a:buSzPts val="605"/>
               <a:buNone/>
             </a:pPr>
             <a:r>
-              <a:rPr lang="pl">
+              <a:rPr lang="pl" sz="1080">
                 <a:solidFill>
                   <a:srgbClr val="F3F3F3"/>
                 </a:solidFill>
               </a:rPr>
               <a:t>Lucjan Konopka</a:t>
             </a:r>
-            <a:endParaRPr>
+            <a:endParaRPr sz="1080">
               <a:solidFill>
                 <a:srgbClr val="F3F3F3"/>
               </a:solidFill>
             </a:endParaRPr>
           </a:p>
           <a:p>
-            <a:pPr indent="0" lvl="0" marL="0" rtl="0" algn="l">
-              <a:spcBef>
-                <a:spcPts val="0"/>
-              </a:spcBef>
-              <a:spcAft>
-                <a:spcPts val="0"/>
-              </a:spcAft>
+            <a:pPr indent="0" lvl="0" marL="0" rtl="0" algn="r">
+              <a:lnSpc>
+                <a:spcPct val="90000"/>
+              </a:lnSpc>
+              <a:spcBef>
+                <a:spcPts val="0"/>
+              </a:spcBef>
+              <a:spcAft>
+                <a:spcPts val="0"/>
+              </a:spcAft>
+              <a:buSzPts val="605"/>
               <a:buNone/>
             </a:pPr>
             <a:r>
-              <a:rPr lang="pl">
+              <a:rPr lang="pl" sz="1080">
                 <a:solidFill>
                   <a:srgbClr val="F3F3F3"/>
                 </a:solidFill>
               </a:rPr>
               <a:t>November 2022</a:t>
             </a:r>
-            <a:endParaRPr>
+            <a:endParaRPr sz="1080">
               <a:solidFill>
                 <a:srgbClr val="F3F3F3"/>
               </a:solidFill>
@@ -8643,7 +8651,7 @@
   <p:cSld>
     <p:spTree>
       <p:nvGrpSpPr>
-        <p:cNvPr id="128" name="Shape 128"/>
+        <p:cNvPr id="137" name="Shape 137"/>
         <p:cNvGrpSpPr/>
         <p:nvPr/>
       </p:nvGrpSpPr>
@@ -8657,156 +8665,7 @@
       </p:grpSpPr>
       <p:sp>
         <p:nvSpPr>
-          <p:cNvPr id="129" name="Google Shape;129;p22"/>
-          <p:cNvSpPr txBox="1"/>
-          <p:nvPr>
-            <p:ph type="title"/>
-          </p:nvPr>
-        </p:nvSpPr>
-        <p:spPr>
-          <a:xfrm>
-            <a:off x="5894800" y="540000"/>
-            <a:ext cx="2852100" cy="1440000"/>
-          </a:xfrm>
-          <a:prstGeom prst="rect">
-            <a:avLst/>
-          </a:prstGeom>
-        </p:spPr>
-        <p:txBody>
-          <a:bodyPr anchorCtr="0" anchor="t" bIns="91425" lIns="91425" spcFirstLastPara="1" rIns="91425" wrap="square" tIns="91425">
-            <a:noAutofit/>
-          </a:bodyPr>
-          <a:lstStyle/>
-          <a:p>
-            <a:pPr indent="0" lvl="0" marL="0" rtl="0" algn="l">
-              <a:spcBef>
-                <a:spcPts val="0"/>
-              </a:spcBef>
-              <a:spcAft>
-                <a:spcPts val="0"/>
-              </a:spcAft>
-              <a:buSzPts val="990"/>
-              <a:buNone/>
-            </a:pPr>
-            <a:r>
-              <a:rPr lang="pl" sz="2820"/>
-              <a:t>Usage in single months by single user type</a:t>
-            </a:r>
-            <a:endParaRPr sz="2820"/>
-          </a:p>
-          <a:p>
-            <a:pPr indent="0" lvl="0" marL="0" rtl="0" algn="l">
-              <a:spcBef>
-                <a:spcPts val="0"/>
-              </a:spcBef>
-              <a:spcAft>
-                <a:spcPts val="0"/>
-              </a:spcAft>
-              <a:buSzPts val="990"/>
-              <a:buNone/>
-            </a:pPr>
-            <a:r>
-              <a:t/>
-            </a:r>
-            <a:endParaRPr sz="2820"/>
-          </a:p>
-        </p:txBody>
-      </p:sp>
-      <p:sp>
-        <p:nvSpPr>
-          <p:cNvPr id="130" name="Google Shape;130;p22"/>
-          <p:cNvSpPr txBox="1"/>
-          <p:nvPr>
-            <p:ph idx="1" type="subTitle"/>
-          </p:nvPr>
-        </p:nvSpPr>
-        <p:spPr>
-          <a:xfrm>
-            <a:off x="5894800" y="2391750"/>
-            <a:ext cx="2852100" cy="2160000"/>
-          </a:xfrm>
-          <a:prstGeom prst="rect">
-            <a:avLst/>
-          </a:prstGeom>
-        </p:spPr>
-        <p:txBody>
-          <a:bodyPr anchorCtr="0" anchor="t" bIns="91425" lIns="91425" spcFirstLastPara="1" rIns="91425" wrap="square" tIns="91425">
-            <a:normAutofit/>
-          </a:bodyPr>
-          <a:lstStyle/>
-          <a:p>
-            <a:pPr indent="0" lvl="0" marL="0" rtl="0" algn="l">
-              <a:spcBef>
-                <a:spcPts val="0"/>
-              </a:spcBef>
-              <a:spcAft>
-                <a:spcPts val="0"/>
-              </a:spcAft>
-              <a:buNone/>
-            </a:pPr>
-            <a:r>
-              <a:t/>
-            </a:r>
-            <a:endParaRPr/>
-          </a:p>
-        </p:txBody>
-      </p:sp>
-      <p:pic>
-        <p:nvPicPr>
-          <p:cNvPr id="131" name="Google Shape;131;p22"/>
-          <p:cNvPicPr preferRelativeResize="0"/>
-          <p:nvPr/>
-        </p:nvPicPr>
-        <p:blipFill>
-          <a:blip r:embed="rId3">
-            <a:alphaModFix/>
-          </a:blip>
-          <a:stretch>
-            <a:fillRect/>
-          </a:stretch>
-        </p:blipFill>
-        <p:spPr>
-          <a:xfrm>
-            <a:off x="612000" y="951750"/>
-            <a:ext cx="4320000" cy="3240000"/>
-          </a:xfrm>
-          <a:prstGeom prst="rect">
-            <a:avLst/>
-          </a:prstGeom>
-          <a:noFill/>
-          <a:ln>
-            <a:noFill/>
-          </a:ln>
-        </p:spPr>
-      </p:pic>
-    </p:spTree>
-  </p:cSld>
-  <p:clrMapOvr>
-    <a:masterClrMapping/>
-  </p:clrMapOvr>
-</p:sld>
-</file>
-
-<file path=ppt/slides/slide11.xml><?xml version="1.0" encoding="utf-8"?>
-<p:sld xmlns:a="http://schemas.openxmlformats.org/drawingml/2006/main" xmlns:r="http://schemas.openxmlformats.org/officeDocument/2006/relationships" xmlns:mc="http://schemas.openxmlformats.org/markup-compatibility/2006" xmlns:mv="urn:schemas-microsoft-com:mac:vml" xmlns:p="http://schemas.openxmlformats.org/presentationml/2006/main" xmlns:c="http://schemas.openxmlformats.org/drawingml/2006/chart" xmlns:dgm="http://schemas.openxmlformats.org/drawingml/2006/diagram" xmlns:o="urn:schemas-microsoft-com:office:office" xmlns:v="urn:schemas-microsoft-com:vml" xmlns:pvml="urn:schemas-microsoft-com:office:powerpoint" xmlns:com="http://schemas.openxmlformats.org/drawingml/2006/compatibility" xmlns:p14="http://schemas.microsoft.com/office/powerpoint/2010/main" xmlns:p15="http://schemas.microsoft.com/office/powerpoint/2012/main" xmlns:ahyp="http://schemas.microsoft.com/office/drawing/2018/hyperlinkcolor">
-  <p:cSld>
-    <p:spTree>
-      <p:nvGrpSpPr>
-        <p:cNvPr id="135" name="Shape 135"/>
-        <p:cNvGrpSpPr/>
-        <p:nvPr/>
-      </p:nvGrpSpPr>
-      <p:grpSpPr>
-        <a:xfrm>
-          <a:off x="0" y="0"/>
-          <a:ext cx="0" cy="0"/>
-          <a:chOff x="0" y="0"/>
-          <a:chExt cx="0" cy="0"/>
-        </a:xfrm>
-      </p:grpSpPr>
-      <p:sp>
-        <p:nvSpPr>
-          <p:cNvPr id="136" name="Google Shape;136;p23"/>
+          <p:cNvPr id="138" name="Google Shape;138;p22"/>
           <p:cNvSpPr txBox="1"/>
           <p:nvPr>
             <p:ph type="title"/>
@@ -8823,7 +8682,7 @@
         </p:spPr>
         <p:txBody>
           <a:bodyPr anchorCtr="0" anchor="t" bIns="91425" lIns="91425" spcFirstLastPara="1" rIns="91425" wrap="square" tIns="91425">
-            <a:normAutofit fontScale="90000"/>
+            <a:noAutofit/>
           </a:bodyPr>
           <a:lstStyle/>
           <a:p>
@@ -8834,13 +8693,14 @@
               <a:spcAft>
                 <a:spcPts val="0"/>
               </a:spcAft>
+              <a:buSzPts val="990"/>
               <a:buNone/>
             </a:pPr>
             <a:r>
-              <a:rPr lang="pl"/>
+              <a:rPr lang="pl" sz="2600"/>
               <a:t>Usage in single months by single user type</a:t>
             </a:r>
-            <a:endParaRPr/>
+            <a:endParaRPr sz="2600"/>
           </a:p>
           <a:p>
             <a:pPr indent="0" lvl="0" marL="0" rtl="0" algn="l">
@@ -8850,18 +8710,19 @@
               <a:spcAft>
                 <a:spcPts val="0"/>
               </a:spcAft>
+              <a:buSzPts val="990"/>
               <a:buNone/>
             </a:pPr>
             <a:r>
               <a:t/>
             </a:r>
-            <a:endParaRPr/>
+            <a:endParaRPr sz="2160"/>
           </a:p>
         </p:txBody>
       </p:sp>
       <p:sp>
         <p:nvSpPr>
-          <p:cNvPr id="137" name="Google Shape;137;p23"/>
+          <p:cNvPr id="139" name="Google Shape;139;p22"/>
           <p:cNvSpPr txBox="1"/>
           <p:nvPr>
             <p:ph idx="1" type="body"/>
@@ -8878,11 +8739,14 @@
         </p:spPr>
         <p:txBody>
           <a:bodyPr anchorCtr="0" anchor="t" bIns="91425" lIns="91425" spcFirstLastPara="1" rIns="91425" wrap="square" tIns="91425">
-            <a:normAutofit/>
+            <a:noAutofit/>
           </a:bodyPr>
           <a:lstStyle/>
           <a:p>
             <a:pPr indent="0" lvl="0" marL="0" rtl="0" algn="l">
+              <a:lnSpc>
+                <a:spcPct val="115000"/>
+              </a:lnSpc>
               <a:spcBef>
                 <a:spcPts val="0"/>
               </a:spcBef>
@@ -8892,15 +8756,62 @@
               <a:buNone/>
             </a:pPr>
             <a:r>
-              <a:t/>
+              <a:rPr lang="pl">
+                <a:latin typeface="Roboto"/>
+                <a:ea typeface="Roboto"/>
+                <a:cs typeface="Roboto"/>
+                <a:sym typeface="Roboto"/>
+              </a:rPr>
+              <a:t>All users used bicycles more often in the warm months. Peak for casual users was the period from </a:t>
             </a:r>
-            <a:endParaRPr/>
+            <a:r>
+              <a:rPr lang="pl" u="sng">
+                <a:latin typeface="Roboto"/>
+                <a:ea typeface="Roboto"/>
+                <a:cs typeface="Roboto"/>
+                <a:sym typeface="Roboto"/>
+              </a:rPr>
+              <a:t>June to August</a:t>
+            </a:r>
+            <a:r>
+              <a:rPr lang="pl">
+                <a:latin typeface="Roboto"/>
+                <a:ea typeface="Roboto"/>
+                <a:cs typeface="Roboto"/>
+                <a:sym typeface="Roboto"/>
+              </a:rPr>
+              <a:t>, statistically the hottest months of the year. High number of rides also took place in </a:t>
+            </a:r>
+            <a:r>
+              <a:rPr lang="pl" u="sng">
+                <a:latin typeface="Roboto"/>
+                <a:ea typeface="Roboto"/>
+                <a:cs typeface="Roboto"/>
+                <a:sym typeface="Roboto"/>
+              </a:rPr>
+              <a:t>May, September and October</a:t>
+            </a:r>
+            <a:r>
+              <a:rPr lang="pl">
+                <a:latin typeface="Roboto"/>
+                <a:ea typeface="Roboto"/>
+                <a:cs typeface="Roboto"/>
+                <a:sym typeface="Roboto"/>
+              </a:rPr>
+              <a:t>.</a:t>
+            </a:r>
+            <a:endParaRPr>
+              <a:latin typeface="Roboto"/>
+              <a:ea typeface="Roboto"/>
+              <a:cs typeface="Roboto"/>
+              <a:sym typeface="Roboto"/>
+            </a:endParaRPr>
           </a:p>
         </p:txBody>
       </p:sp>
       <p:pic>
         <p:nvPicPr>
-          <p:cNvPr id="138" name="Google Shape;138;p23"/>
+          <p:cNvPr id="140" name="Google Shape;140;p22"/>
           <p:cNvPicPr preferRelativeResize="0"/>
           <p:nvPr/>
         </p:nvPicPr>
@@ -8928,7 +8839,7 @@
       </p:pic>
       <p:pic>
         <p:nvPicPr>
-          <p:cNvPr id="139" name="Google Shape;139;p23"/>
+          <p:cNvPr id="141" name="Google Shape;141;p22"/>
           <p:cNvPicPr preferRelativeResize="0"/>
           <p:nvPr/>
         </p:nvPicPr>
@@ -8962,12 +8873,12 @@
 </p:sld>
 </file>
 
-<file path=ppt/slides/slide12.xml><?xml version="1.0" encoding="utf-8"?>
+<file path=ppt/slides/slide11.xml><?xml version="1.0" encoding="utf-8"?>
 <p:sld xmlns:a="http://schemas.openxmlformats.org/drawingml/2006/main" xmlns:r="http://schemas.openxmlformats.org/officeDocument/2006/relationships" xmlns:mc="http://schemas.openxmlformats.org/markup-compatibility/2006" xmlns:mv="urn:schemas-microsoft-com:mac:vml" xmlns:p="http://schemas.openxmlformats.org/presentationml/2006/main" xmlns:c="http://schemas.openxmlformats.org/drawingml/2006/chart" xmlns:dgm="http://schemas.openxmlformats.org/drawingml/2006/diagram" xmlns:o="urn:schemas-microsoft-com:office:office" xmlns:v="urn:schemas-microsoft-com:vml" xmlns:pvml="urn:schemas-microsoft-com:office:powerpoint" xmlns:com="http://schemas.openxmlformats.org/drawingml/2006/compatibility" xmlns:p14="http://schemas.microsoft.com/office/powerpoint/2010/main" xmlns:p15="http://schemas.microsoft.com/office/powerpoint/2012/main" xmlns:ahyp="http://schemas.microsoft.com/office/drawing/2018/hyperlinkcolor">
   <p:cSld>
     <p:spTree>
       <p:nvGrpSpPr>
-        <p:cNvPr id="143" name="Shape 143"/>
+        <p:cNvPr id="145" name="Shape 145"/>
         <p:cNvGrpSpPr/>
         <p:nvPr/>
       </p:nvGrpSpPr>
@@ -8981,7 +8892,7 @@
       </p:grpSpPr>
       <p:sp>
         <p:nvSpPr>
-          <p:cNvPr id="144" name="Google Shape;144;p24"/>
+          <p:cNvPr id="146" name="Google Shape;146;p23"/>
           <p:cNvSpPr txBox="1"/>
           <p:nvPr>
             <p:ph type="title"/>
@@ -9012,10 +8923,10 @@
               <a:buNone/>
             </a:pPr>
             <a:r>
-              <a:rPr lang="pl"/>
+              <a:rPr lang="pl" sz="2600"/>
               <a:t>Ride times</a:t>
             </a:r>
-            <a:endParaRPr>
+            <a:endParaRPr sz="2600">
               <a:solidFill>
                 <a:srgbClr val="F3F3F3"/>
               </a:solidFill>
@@ -9025,7 +8936,7 @@
       </p:sp>
       <p:sp>
         <p:nvSpPr>
-          <p:cNvPr id="145" name="Google Shape;145;p24"/>
+          <p:cNvPr id="147" name="Google Shape;147;p23"/>
           <p:cNvSpPr txBox="1"/>
           <p:nvPr>
             <p:ph idx="1" type="body"/>
@@ -9051,73 +8962,29 @@
                 <a:spcPts val="0"/>
               </a:spcBef>
               <a:spcAft>
-                <a:spcPts val="0"/>
+                <a:spcPts val="1200"/>
               </a:spcAft>
               <a:buNone/>
             </a:pPr>
             <a:r>
-              <a:rPr lang="pl">
-                <a:solidFill>
-                  <a:srgbClr val="F3F3F3"/>
-                </a:solidFill>
-              </a:rPr>
-              <a:t>The goal of the analysis:</a:t>
+              <a:rPr lang="pl"/>
+              <a:t>Most rides were short trips between </a:t>
             </a:r>
-            <a:endParaRPr>
-              <a:solidFill>
-                <a:srgbClr val="F3F3F3"/>
-              </a:solidFill>
-            </a:endParaRPr>
-          </a:p>
-          <a:p>
-            <a:pPr indent="-159851" lvl="0" marL="360000" rtl="0" algn="just">
-              <a:spcBef>
-                <a:spcPts val="1200"/>
-              </a:spcBef>
-              <a:spcAft>
-                <a:spcPts val="0"/>
-              </a:spcAft>
-              <a:buClr>
-                <a:srgbClr val="F3F3F3"/>
-              </a:buClr>
-              <a:buSzPts val="1100"/>
-              <a:buChar char="●"/>
-            </a:pPr>
             <a:r>
-              <a:rPr lang="pl">
-                <a:solidFill>
-                  <a:srgbClr val="F3F3F3"/>
-                </a:solidFill>
-              </a:rPr>
-              <a:t>understand how casual riders and annual members use Cyclistic bikes differently</a:t>
+              <a:rPr lang="pl" u="sng"/>
+              <a:t>5 to 15 minutes</a:t>
             </a:r>
-            <a:endParaRPr>
-              <a:solidFill>
-                <a:srgbClr val="F3F3F3"/>
-              </a:solidFill>
-            </a:endParaRPr>
-          </a:p>
-          <a:p>
-            <a:pPr indent="-159851" lvl="0" marL="360000" rtl="0" algn="just">
-              <a:spcBef>
-                <a:spcPts val="0"/>
-              </a:spcBef>
-              <a:spcAft>
-                <a:spcPts val="0"/>
-              </a:spcAft>
-              <a:buClr>
-                <a:srgbClr val="F3F3F3"/>
-              </a:buClr>
-              <a:buSzPts val="1100"/>
-              <a:buChar char="●"/>
-            </a:pPr>
             <a:r>
-              <a:rPr lang="pl">
-                <a:solidFill>
-                  <a:srgbClr val="F3F3F3"/>
-                </a:solidFill>
-              </a:rPr>
-              <a:t>design a new marketing strategy to convert casual riders into annual members</a:t>
+              <a:rPr lang="pl"/>
+              <a:t>. Slightly longer trips, up to </a:t>
+            </a:r>
+            <a:r>
+              <a:rPr lang="pl" u="sng"/>
+              <a:t>30 minutes</a:t>
+            </a:r>
+            <a:r>
+              <a:rPr lang="pl"/>
+              <a:t>, were also a significant part of the whole database.</a:t>
             </a:r>
             <a:endParaRPr>
               <a:solidFill>
@@ -9129,7 +8996,7 @@
       </p:sp>
       <p:pic>
         <p:nvPicPr>
-          <p:cNvPr id="146" name="Google Shape;146;p24"/>
+          <p:cNvPr id="148" name="Google Shape;148;p23"/>
           <p:cNvPicPr preferRelativeResize="0"/>
           <p:nvPr/>
         </p:nvPicPr>
@@ -9163,12 +9030,12 @@
 </p:sld>
 </file>
 
-<file path=ppt/slides/slide13.xml><?xml version="1.0" encoding="utf-8"?>
+<file path=ppt/slides/slide12.xml><?xml version="1.0" encoding="utf-8"?>
 <p:sld xmlns:a="http://schemas.openxmlformats.org/drawingml/2006/main" xmlns:r="http://schemas.openxmlformats.org/officeDocument/2006/relationships" xmlns:mc="http://schemas.openxmlformats.org/markup-compatibility/2006" xmlns:mv="urn:schemas-microsoft-com:mac:vml" xmlns:p="http://schemas.openxmlformats.org/presentationml/2006/main" xmlns:c="http://schemas.openxmlformats.org/drawingml/2006/chart" xmlns:dgm="http://schemas.openxmlformats.org/drawingml/2006/diagram" xmlns:o="urn:schemas-microsoft-com:office:office" xmlns:v="urn:schemas-microsoft-com:vml" xmlns:pvml="urn:schemas-microsoft-com:office:powerpoint" xmlns:com="http://schemas.openxmlformats.org/drawingml/2006/compatibility" xmlns:p14="http://schemas.microsoft.com/office/powerpoint/2010/main" xmlns:p15="http://schemas.microsoft.com/office/powerpoint/2012/main" xmlns:ahyp="http://schemas.microsoft.com/office/drawing/2018/hyperlinkcolor">
   <p:cSld>
     <p:spTree>
       <p:nvGrpSpPr>
-        <p:cNvPr id="150" name="Shape 150"/>
+        <p:cNvPr id="152" name="Shape 152"/>
         <p:cNvGrpSpPr/>
         <p:nvPr/>
       </p:nvGrpSpPr>
@@ -9182,7 +9049,7 @@
       </p:grpSpPr>
       <p:sp>
         <p:nvSpPr>
-          <p:cNvPr id="151" name="Google Shape;151;p25"/>
+          <p:cNvPr id="153" name="Google Shape;153;p24"/>
           <p:cNvSpPr txBox="1"/>
           <p:nvPr>
             <p:ph type="title"/>
@@ -9199,7 +9066,7 @@
         </p:spPr>
         <p:txBody>
           <a:bodyPr anchorCtr="0" anchor="t" bIns="91425" lIns="91425" spcFirstLastPara="1" rIns="91425" wrap="square" tIns="91425">
-            <a:normAutofit fontScale="90000"/>
+            <a:noAutofit/>
           </a:bodyPr>
           <a:lstStyle/>
           <a:p>
@@ -9213,14 +9080,14 @@
               <a:buNone/>
             </a:pPr>
             <a:r>
-              <a:rPr lang="pl"/>
+              <a:rPr lang="pl" sz="2600"/>
               <a:t>Ride times</a:t>
             </a:r>
             <a:r>
-              <a:rPr lang="pl"/>
+              <a:rPr lang="pl" sz="2600"/>
               <a:t> by single user type</a:t>
             </a:r>
-            <a:endParaRPr/>
+            <a:endParaRPr sz="2600"/>
           </a:p>
           <a:p>
             <a:pPr indent="0" lvl="0" marL="0" rtl="0" algn="l">
@@ -9241,7 +9108,7 @@
       </p:sp>
       <p:sp>
         <p:nvSpPr>
-          <p:cNvPr id="152" name="Google Shape;152;p25"/>
+          <p:cNvPr id="154" name="Google Shape;154;p24"/>
           <p:cNvSpPr txBox="1"/>
           <p:nvPr>
             <p:ph idx="1" type="body"/>
@@ -9272,15 +9139,44 @@
               <a:buNone/>
             </a:pPr>
             <a:r>
-              <a:t/>
+              <a:rPr lang="pl" sz="1300">
+                <a:latin typeface="Roboto"/>
+                <a:ea typeface="Roboto"/>
+                <a:cs typeface="Roboto"/>
+                <a:sym typeface="Roboto"/>
+              </a:rPr>
+              <a:t>There is a visible pattern showing that users are more likely to take </a:t>
             </a:r>
-            <a:endParaRPr/>
+            <a:r>
+              <a:rPr lang="pl" sz="1300" u="sng">
+                <a:latin typeface="Roboto"/>
+                <a:ea typeface="Roboto"/>
+                <a:cs typeface="Roboto"/>
+                <a:sym typeface="Roboto"/>
+              </a:rPr>
+              <a:t>longer trips</a:t>
+            </a:r>
+            <a:r>
+              <a:rPr lang="pl" sz="1300">
+                <a:latin typeface="Roboto"/>
+                <a:ea typeface="Roboto"/>
+                <a:cs typeface="Roboto"/>
+                <a:sym typeface="Roboto"/>
+              </a:rPr>
+              <a:t> in comparison to annual members.</a:t>
+            </a:r>
+            <a:endParaRPr sz="1300">
+              <a:latin typeface="Roboto"/>
+              <a:ea typeface="Roboto"/>
+              <a:cs typeface="Roboto"/>
+              <a:sym typeface="Roboto"/>
+            </a:endParaRPr>
           </a:p>
         </p:txBody>
       </p:sp>
       <p:pic>
         <p:nvPicPr>
-          <p:cNvPr id="153" name="Google Shape;153;p25"/>
+          <p:cNvPr id="155" name="Google Shape;155;p24"/>
           <p:cNvPicPr preferRelativeResize="0"/>
           <p:nvPr/>
         </p:nvPicPr>
@@ -9308,7 +9204,7 @@
       </p:pic>
       <p:pic>
         <p:nvPicPr>
-          <p:cNvPr id="154" name="Google Shape;154;p25"/>
+          <p:cNvPr id="156" name="Google Shape;156;p24"/>
           <p:cNvPicPr preferRelativeResize="0"/>
           <p:nvPr/>
         </p:nvPicPr>
@@ -9342,12 +9238,12 @@
 </p:sld>
 </file>
 
-<file path=ppt/slides/slide14.xml><?xml version="1.0" encoding="utf-8"?>
+<file path=ppt/slides/slide13.xml><?xml version="1.0" encoding="utf-8"?>
 <p:sld xmlns:a="http://schemas.openxmlformats.org/drawingml/2006/main" xmlns:r="http://schemas.openxmlformats.org/officeDocument/2006/relationships" xmlns:mc="http://schemas.openxmlformats.org/markup-compatibility/2006" xmlns:mv="urn:schemas-microsoft-com:mac:vml" xmlns:p="http://schemas.openxmlformats.org/presentationml/2006/main" xmlns:c="http://schemas.openxmlformats.org/drawingml/2006/chart" xmlns:dgm="http://schemas.openxmlformats.org/drawingml/2006/diagram" xmlns:o="urn:schemas-microsoft-com:office:office" xmlns:v="urn:schemas-microsoft-com:vml" xmlns:pvml="urn:schemas-microsoft-com:office:powerpoint" xmlns:com="http://schemas.openxmlformats.org/drawingml/2006/compatibility" xmlns:p14="http://schemas.microsoft.com/office/powerpoint/2010/main" xmlns:p15="http://schemas.microsoft.com/office/powerpoint/2012/main" xmlns:ahyp="http://schemas.microsoft.com/office/drawing/2018/hyperlinkcolor">
   <p:cSld>
     <p:spTree>
       <p:nvGrpSpPr>
-        <p:cNvPr id="158" name="Shape 158"/>
+        <p:cNvPr id="160" name="Shape 160"/>
         <p:cNvGrpSpPr/>
         <p:nvPr/>
       </p:nvGrpSpPr>
@@ -9361,7 +9257,7 @@
       </p:grpSpPr>
       <p:sp>
         <p:nvSpPr>
-          <p:cNvPr id="159" name="Google Shape;159;p26"/>
+          <p:cNvPr id="161" name="Google Shape;161;p25"/>
           <p:cNvSpPr txBox="1"/>
           <p:nvPr>
             <p:ph type="title"/>
@@ -9393,10 +9289,10 @@
               <a:buNone/>
             </a:pPr>
             <a:r>
-              <a:rPr lang="pl" sz="2820"/>
+              <a:rPr lang="pl" sz="2620"/>
               <a:t>Most popular start stations</a:t>
             </a:r>
-            <a:endParaRPr sz="2820"/>
+            <a:endParaRPr sz="2620"/>
           </a:p>
           <a:p>
             <a:pPr indent="0" lvl="0" marL="0" rtl="0" algn="l">
@@ -9418,7 +9314,7 @@
       </p:sp>
       <p:sp>
         <p:nvSpPr>
-          <p:cNvPr id="160" name="Google Shape;160;p26"/>
+          <p:cNvPr id="162" name="Google Shape;162;p25"/>
           <p:cNvSpPr txBox="1"/>
           <p:nvPr>
             <p:ph idx="1" type="subTitle"/>
@@ -9440,6 +9336,9 @@
           <a:lstStyle/>
           <a:p>
             <a:pPr indent="0" lvl="0" marL="0" rtl="0" algn="l">
+              <a:lnSpc>
+                <a:spcPct val="115000"/>
+              </a:lnSpc>
               <a:spcBef>
                 <a:spcPts val="0"/>
               </a:spcBef>
@@ -9449,7 +9348,16 @@
               <a:buNone/>
             </a:pPr>
             <a:r>
-              <a:t/>
+              <a:rPr lang="pl"/>
+              <a:t>The station that stands out from the rest and is the most popular is the station </a:t>
+            </a:r>
+            <a:r>
+              <a:rPr i="1" lang="pl" u="sng"/>
+              <a:t>Streeter Dr &amp; Grand Ave</a:t>
+            </a:r>
+            <a:r>
+              <a:rPr lang="pl"/>
+              <a:t>.</a:t>
             </a:r>
             <a:endParaRPr/>
           </a:p>
@@ -9457,7 +9365,7 @@
       </p:sp>
       <p:pic>
         <p:nvPicPr>
-          <p:cNvPr id="161" name="Google Shape;161;p26"/>
+          <p:cNvPr id="163" name="Google Shape;163;p25"/>
           <p:cNvPicPr preferRelativeResize="0"/>
           <p:nvPr/>
         </p:nvPicPr>
@@ -9491,12 +9399,12 @@
 </p:sld>
 </file>
 
-<file path=ppt/slides/slide15.xml><?xml version="1.0" encoding="utf-8"?>
+<file path=ppt/slides/slide14.xml><?xml version="1.0" encoding="utf-8"?>
 <p:sld xmlns:a="http://schemas.openxmlformats.org/drawingml/2006/main" xmlns:r="http://schemas.openxmlformats.org/officeDocument/2006/relationships" xmlns:mc="http://schemas.openxmlformats.org/markup-compatibility/2006" xmlns:mv="urn:schemas-microsoft-com:mac:vml" xmlns:p="http://schemas.openxmlformats.org/presentationml/2006/main" xmlns:c="http://schemas.openxmlformats.org/drawingml/2006/chart" xmlns:dgm="http://schemas.openxmlformats.org/drawingml/2006/diagram" xmlns:o="urn:schemas-microsoft-com:office:office" xmlns:v="urn:schemas-microsoft-com:vml" xmlns:pvml="urn:schemas-microsoft-com:office:powerpoint" xmlns:com="http://schemas.openxmlformats.org/drawingml/2006/compatibility" xmlns:p14="http://schemas.microsoft.com/office/powerpoint/2010/main" xmlns:p15="http://schemas.microsoft.com/office/powerpoint/2012/main" xmlns:ahyp="http://schemas.microsoft.com/office/drawing/2018/hyperlinkcolor">
   <p:cSld>
     <p:spTree>
       <p:nvGrpSpPr>
-        <p:cNvPr id="165" name="Shape 165"/>
+        <p:cNvPr id="167" name="Shape 167"/>
         <p:cNvGrpSpPr/>
         <p:nvPr/>
       </p:nvGrpSpPr>
@@ -9510,7 +9418,7 @@
       </p:grpSpPr>
       <p:sp>
         <p:nvSpPr>
-          <p:cNvPr id="166" name="Google Shape;166;p27"/>
+          <p:cNvPr id="168" name="Google Shape;168;p26"/>
           <p:cNvSpPr txBox="1"/>
           <p:nvPr>
             <p:ph type="title"/>
@@ -9527,7 +9435,7 @@
         </p:spPr>
         <p:txBody>
           <a:bodyPr anchorCtr="0" anchor="t" bIns="91425" lIns="91425" spcFirstLastPara="1" rIns="91425" wrap="square" tIns="91425">
-            <a:normAutofit/>
+            <a:noAutofit/>
           </a:bodyPr>
           <a:lstStyle/>
           <a:p>
@@ -9541,16 +9449,16 @@
               <a:buNone/>
             </a:pPr>
             <a:r>
-              <a:rPr lang="pl"/>
+              <a:rPr lang="pl" sz="2600"/>
               <a:t>Most usage in single months and days</a:t>
             </a:r>
-            <a:endParaRPr/>
+            <a:endParaRPr sz="2600"/>
           </a:p>
         </p:txBody>
       </p:sp>
       <p:sp>
         <p:nvSpPr>
-          <p:cNvPr id="167" name="Google Shape;167;p27"/>
+          <p:cNvPr id="169" name="Google Shape;169;p26"/>
           <p:cNvSpPr txBox="1"/>
           <p:nvPr>
             <p:ph idx="1" type="body"/>
@@ -9581,15 +9489,44 @@
               <a:buNone/>
             </a:pPr>
             <a:r>
-              <a:t/>
+              <a:rPr lang="pl">
+                <a:latin typeface="Roboto"/>
+                <a:ea typeface="Roboto"/>
+                <a:cs typeface="Roboto"/>
+                <a:sym typeface="Roboto"/>
+              </a:rPr>
+              <a:t>The most popular days of the year were </a:t>
             </a:r>
-            <a:endParaRPr/>
+            <a:r>
+              <a:rPr lang="pl" u="sng">
+                <a:latin typeface="Roboto"/>
+                <a:ea typeface="Roboto"/>
+                <a:cs typeface="Roboto"/>
+                <a:sym typeface="Roboto"/>
+              </a:rPr>
+              <a:t>Saturdays in August</a:t>
+            </a:r>
+            <a:r>
+              <a:rPr lang="pl">
+                <a:latin typeface="Roboto"/>
+                <a:ea typeface="Roboto"/>
+                <a:cs typeface="Roboto"/>
+                <a:sym typeface="Roboto"/>
+              </a:rPr>
+              <a:t>. Midweek in the warm months were very popular as well. Winter months were the least popular.</a:t>
+            </a:r>
+            <a:endParaRPr>
+              <a:latin typeface="Roboto"/>
+              <a:ea typeface="Roboto"/>
+              <a:cs typeface="Roboto"/>
+              <a:sym typeface="Roboto"/>
+            </a:endParaRPr>
           </a:p>
         </p:txBody>
       </p:sp>
       <p:pic>
         <p:nvPicPr>
-          <p:cNvPr id="168" name="Google Shape;168;p27"/>
+          <p:cNvPr id="170" name="Google Shape;170;p26"/>
           <p:cNvPicPr preferRelativeResize="0"/>
           <p:nvPr/>
         </p:nvPicPr>
@@ -9623,12 +9560,12 @@
 </p:sld>
 </file>
 
-<file path=ppt/slides/slide16.xml><?xml version="1.0" encoding="utf-8"?>
+<file path=ppt/slides/slide15.xml><?xml version="1.0" encoding="utf-8"?>
 <p:sld xmlns:a="http://schemas.openxmlformats.org/drawingml/2006/main" xmlns:r="http://schemas.openxmlformats.org/officeDocument/2006/relationships" xmlns:mc="http://schemas.openxmlformats.org/markup-compatibility/2006" xmlns:mv="urn:schemas-microsoft-com:mac:vml" xmlns:p="http://schemas.openxmlformats.org/presentationml/2006/main" xmlns:c="http://schemas.openxmlformats.org/drawingml/2006/chart" xmlns:dgm="http://schemas.openxmlformats.org/drawingml/2006/diagram" xmlns:o="urn:schemas-microsoft-com:office:office" xmlns:v="urn:schemas-microsoft-com:vml" xmlns:pvml="urn:schemas-microsoft-com:office:powerpoint" xmlns:com="http://schemas.openxmlformats.org/drawingml/2006/compatibility" xmlns:p14="http://schemas.microsoft.com/office/powerpoint/2010/main" xmlns:p15="http://schemas.microsoft.com/office/powerpoint/2012/main" xmlns:ahyp="http://schemas.microsoft.com/office/drawing/2018/hyperlinkcolor">
   <p:cSld>
     <p:spTree>
       <p:nvGrpSpPr>
-        <p:cNvPr id="172" name="Shape 172"/>
+        <p:cNvPr id="174" name="Shape 174"/>
         <p:cNvGrpSpPr/>
         <p:nvPr/>
       </p:nvGrpSpPr>
@@ -9642,7 +9579,7 @@
       </p:grpSpPr>
       <p:sp>
         <p:nvSpPr>
-          <p:cNvPr id="173" name="Google Shape;173;p28"/>
+          <p:cNvPr id="175" name="Google Shape;175;p27"/>
           <p:cNvSpPr txBox="1"/>
           <p:nvPr>
             <p:ph type="title"/>
@@ -9650,7 +9587,1876 @@
         </p:nvSpPr>
         <p:spPr>
           <a:xfrm>
-            <a:off x="360000" y="540000"/>
+            <a:off x="311700" y="88725"/>
+            <a:ext cx="8520600" cy="1296000"/>
+          </a:xfrm>
+          <a:prstGeom prst="rect">
+            <a:avLst/>
+          </a:prstGeom>
+        </p:spPr>
+        <p:txBody>
+          <a:bodyPr anchorCtr="0" anchor="ctr" bIns="91425" lIns="91425" spcFirstLastPara="1" rIns="91425" wrap="square" tIns="91425">
+            <a:normAutofit/>
+          </a:bodyPr>
+          <a:lstStyle/>
+          <a:p>
+            <a:pPr indent="0" lvl="0" marL="0" rtl="0" algn="ctr">
+              <a:spcBef>
+                <a:spcPts val="0"/>
+              </a:spcBef>
+              <a:spcAft>
+                <a:spcPts val="0"/>
+              </a:spcAft>
+              <a:buNone/>
+            </a:pPr>
+            <a:r>
+              <a:rPr lang="pl" sz="2600"/>
+              <a:t>Marketing strategies </a:t>
+            </a:r>
+            <a:endParaRPr sz="2600"/>
+          </a:p>
+        </p:txBody>
+      </p:sp>
+      <p:grpSp>
+        <p:nvGrpSpPr>
+          <p:cNvPr id="176" name="Google Shape;176;p27"/>
+          <p:cNvGrpSpPr/>
+          <p:nvPr/>
+        </p:nvGrpSpPr>
+        <p:grpSpPr>
+          <a:xfrm>
+            <a:off x="170149" y="1852575"/>
+            <a:ext cx="3697063" cy="924600"/>
+            <a:chOff x="170149" y="1242975"/>
+            <a:chExt cx="3697063" cy="924600"/>
+          </a:xfrm>
+        </p:grpSpPr>
+        <p:cxnSp>
+          <p:nvCxnSpPr>
+            <p:cNvPr id="177" name="Google Shape;177;p27"/>
+            <p:cNvCxnSpPr/>
+            <p:nvPr/>
+          </p:nvCxnSpPr>
+          <p:spPr>
+            <a:xfrm rot="10800000">
+              <a:off x="2642013" y="1654113"/>
+              <a:ext cx="1225200" cy="0"/>
+            </a:xfrm>
+            <a:prstGeom prst="straightConnector1">
+              <a:avLst/>
+            </a:prstGeom>
+            <a:noFill/>
+            <a:ln cap="flat" cmpd="sng" w="9525">
+              <a:solidFill>
+                <a:srgbClr val="3F94A4"/>
+              </a:solidFill>
+              <a:prstDash val="solid"/>
+              <a:round/>
+              <a:headEnd len="sm" w="sm" type="none"/>
+              <a:tailEnd len="med" w="med" type="oval"/>
+            </a:ln>
+          </p:spPr>
+        </p:cxnSp>
+        <p:sp>
+          <p:nvSpPr>
+            <p:cNvPr id="178" name="Google Shape;178;p27"/>
+            <p:cNvSpPr txBox="1"/>
+            <p:nvPr/>
+          </p:nvSpPr>
+          <p:spPr>
+            <a:xfrm>
+              <a:off x="170149" y="1242975"/>
+              <a:ext cx="2262600" cy="924600"/>
+            </a:xfrm>
+            <a:prstGeom prst="rect">
+              <a:avLst/>
+            </a:prstGeom>
+            <a:noFill/>
+            <a:ln>
+              <a:noFill/>
+            </a:ln>
+          </p:spPr>
+          <p:txBody>
+            <a:bodyPr anchorCtr="0" anchor="ctr" bIns="91425" lIns="91425" spcFirstLastPara="1" rIns="91425" wrap="square" tIns="91425">
+              <a:noAutofit/>
+            </a:bodyPr>
+            <a:lstStyle/>
+            <a:p>
+              <a:pPr indent="0" lvl="0" marL="0" rtl="0" algn="ctr">
+                <a:spcBef>
+                  <a:spcPts val="0"/>
+                </a:spcBef>
+                <a:spcAft>
+                  <a:spcPts val="0"/>
+                </a:spcAft>
+                <a:buNone/>
+              </a:pPr>
+              <a:r>
+                <a:rPr b="1" lang="pl" sz="1200">
+                  <a:solidFill>
+                    <a:schemeClr val="dk1"/>
+                  </a:solidFill>
+                  <a:latin typeface="Roboto"/>
+                  <a:ea typeface="Roboto"/>
+                  <a:cs typeface="Roboto"/>
+                  <a:sym typeface="Roboto"/>
+                </a:rPr>
+                <a:t>Free months for inviting friends</a:t>
+              </a:r>
+              <a:endParaRPr b="1" sz="1200">
+                <a:solidFill>
+                  <a:schemeClr val="dk1"/>
+                </a:solidFill>
+                <a:latin typeface="Roboto"/>
+                <a:ea typeface="Roboto"/>
+                <a:cs typeface="Roboto"/>
+                <a:sym typeface="Roboto"/>
+              </a:endParaRPr>
+            </a:p>
+            <a:p>
+              <a:pPr indent="0" lvl="0" marL="0" rtl="0" algn="r">
+                <a:spcBef>
+                  <a:spcPts val="0"/>
+                </a:spcBef>
+                <a:spcAft>
+                  <a:spcPts val="0"/>
+                </a:spcAft>
+                <a:buNone/>
+              </a:pPr>
+              <a:r>
+                <a:t/>
+              </a:r>
+              <a:endParaRPr b="1" sz="800">
+                <a:latin typeface="Roboto"/>
+                <a:ea typeface="Roboto"/>
+                <a:cs typeface="Roboto"/>
+                <a:sym typeface="Roboto"/>
+              </a:endParaRPr>
+            </a:p>
+            <a:p>
+              <a:pPr indent="0" lvl="0" marL="0" rtl="0" algn="ctr">
+                <a:spcBef>
+                  <a:spcPts val="0"/>
+                </a:spcBef>
+                <a:spcAft>
+                  <a:spcPts val="1600"/>
+                </a:spcAft>
+                <a:buNone/>
+              </a:pPr>
+              <a:r>
+                <a:rPr lang="pl" sz="800">
+                  <a:latin typeface="Roboto"/>
+                  <a:ea typeface="Roboto"/>
+                  <a:cs typeface="Roboto"/>
+                  <a:sym typeface="Roboto"/>
+                </a:rPr>
+                <a:t>Giving one free month of membership for each annual member who has invited a friend which has purchased an annual membership</a:t>
+              </a:r>
+              <a:endParaRPr b="1" sz="800">
+                <a:latin typeface="Roboto"/>
+                <a:ea typeface="Roboto"/>
+                <a:cs typeface="Roboto"/>
+                <a:sym typeface="Roboto"/>
+              </a:endParaRPr>
+            </a:p>
+          </p:txBody>
+        </p:sp>
+      </p:grpSp>
+      <p:grpSp>
+        <p:nvGrpSpPr>
+          <p:cNvPr id="179" name="Google Shape;179;p27"/>
+          <p:cNvGrpSpPr/>
+          <p:nvPr/>
+        </p:nvGrpSpPr>
+        <p:grpSpPr>
+          <a:xfrm>
+            <a:off x="170149" y="3255725"/>
+            <a:ext cx="3401788" cy="924600"/>
+            <a:chOff x="170149" y="2646125"/>
+            <a:chExt cx="3401788" cy="924600"/>
+          </a:xfrm>
+        </p:grpSpPr>
+        <p:cxnSp>
+          <p:nvCxnSpPr>
+            <p:cNvPr id="180" name="Google Shape;180;p27"/>
+            <p:cNvCxnSpPr/>
+            <p:nvPr/>
+          </p:nvCxnSpPr>
+          <p:spPr>
+            <a:xfrm rot="10800000">
+              <a:off x="2641938" y="3108425"/>
+              <a:ext cx="930000" cy="0"/>
+            </a:xfrm>
+            <a:prstGeom prst="straightConnector1">
+              <a:avLst/>
+            </a:prstGeom>
+            <a:noFill/>
+            <a:ln cap="flat" cmpd="sng" w="9525">
+              <a:solidFill>
+                <a:srgbClr val="3F94A4"/>
+              </a:solidFill>
+              <a:prstDash val="solid"/>
+              <a:round/>
+              <a:headEnd len="sm" w="sm" type="none"/>
+              <a:tailEnd len="med" w="med" type="oval"/>
+            </a:ln>
+          </p:spPr>
+        </p:cxnSp>
+        <p:sp>
+          <p:nvSpPr>
+            <p:cNvPr id="181" name="Google Shape;181;p27"/>
+            <p:cNvSpPr txBox="1"/>
+            <p:nvPr/>
+          </p:nvSpPr>
+          <p:spPr>
+            <a:xfrm>
+              <a:off x="170149" y="2646125"/>
+              <a:ext cx="2262600" cy="924600"/>
+            </a:xfrm>
+            <a:prstGeom prst="rect">
+              <a:avLst/>
+            </a:prstGeom>
+            <a:noFill/>
+            <a:ln>
+              <a:noFill/>
+            </a:ln>
+          </p:spPr>
+          <p:txBody>
+            <a:bodyPr anchorCtr="0" anchor="ctr" bIns="91425" lIns="91425" spcFirstLastPara="1" rIns="91425" wrap="square" tIns="91425">
+              <a:noAutofit/>
+            </a:bodyPr>
+            <a:lstStyle/>
+            <a:p>
+              <a:pPr indent="0" lvl="0" marL="0" rtl="0" algn="r">
+                <a:spcBef>
+                  <a:spcPts val="0"/>
+                </a:spcBef>
+                <a:spcAft>
+                  <a:spcPts val="0"/>
+                </a:spcAft>
+                <a:buNone/>
+              </a:pPr>
+              <a:r>
+                <a:t/>
+              </a:r>
+              <a:endParaRPr b="1" sz="800">
+                <a:latin typeface="Roboto"/>
+                <a:ea typeface="Roboto"/>
+                <a:cs typeface="Roboto"/>
+                <a:sym typeface="Roboto"/>
+              </a:endParaRPr>
+            </a:p>
+            <a:p>
+              <a:pPr indent="0" lvl="0" marL="0" rtl="0" algn="ctr">
+                <a:spcBef>
+                  <a:spcPts val="0"/>
+                </a:spcBef>
+                <a:spcAft>
+                  <a:spcPts val="0"/>
+                </a:spcAft>
+                <a:buNone/>
+              </a:pPr>
+              <a:r>
+                <a:rPr b="1" lang="pl" sz="1200">
+                  <a:solidFill>
+                    <a:schemeClr val="dk1"/>
+                  </a:solidFill>
+                  <a:latin typeface="Roboto"/>
+                  <a:ea typeface="Roboto"/>
+                  <a:cs typeface="Roboto"/>
+                  <a:sym typeface="Roboto"/>
+                </a:rPr>
+                <a:t>Billboard ad in </a:t>
+              </a:r>
+              <a:r>
+                <a:rPr b="1" lang="pl" sz="1300">
+                  <a:solidFill>
+                    <a:schemeClr val="dk1"/>
+                  </a:solidFill>
+                  <a:latin typeface="Roboto"/>
+                  <a:ea typeface="Roboto"/>
+                  <a:cs typeface="Roboto"/>
+                  <a:sym typeface="Roboto"/>
+                </a:rPr>
+                <a:t>Streeter Dr &amp; Grand Ave</a:t>
+              </a:r>
+              <a:r>
+                <a:rPr b="1" lang="pl" sz="1200">
+                  <a:solidFill>
+                    <a:schemeClr val="dk1"/>
+                  </a:solidFill>
+                  <a:latin typeface="Roboto"/>
+                  <a:ea typeface="Roboto"/>
+                  <a:cs typeface="Roboto"/>
+                  <a:sym typeface="Roboto"/>
+                </a:rPr>
+                <a:t> </a:t>
+              </a:r>
+              <a:endParaRPr b="1" sz="1200">
+                <a:solidFill>
+                  <a:schemeClr val="dk1"/>
+                </a:solidFill>
+                <a:latin typeface="Roboto"/>
+                <a:ea typeface="Roboto"/>
+                <a:cs typeface="Roboto"/>
+                <a:sym typeface="Roboto"/>
+              </a:endParaRPr>
+            </a:p>
+            <a:p>
+              <a:pPr indent="0" lvl="0" marL="0" rtl="0" algn="ctr">
+                <a:spcBef>
+                  <a:spcPts val="0"/>
+                </a:spcBef>
+                <a:spcAft>
+                  <a:spcPts val="0"/>
+                </a:spcAft>
+                <a:buNone/>
+              </a:pPr>
+              <a:r>
+                <a:t/>
+              </a:r>
+              <a:endParaRPr sz="800">
+                <a:latin typeface="Roboto"/>
+                <a:ea typeface="Roboto"/>
+                <a:cs typeface="Roboto"/>
+                <a:sym typeface="Roboto"/>
+              </a:endParaRPr>
+            </a:p>
+            <a:p>
+              <a:pPr indent="0" lvl="0" marL="0" rtl="0" algn="ctr">
+                <a:spcBef>
+                  <a:spcPts val="0"/>
+                </a:spcBef>
+                <a:spcAft>
+                  <a:spcPts val="1600"/>
+                </a:spcAft>
+                <a:buNone/>
+              </a:pPr>
+              <a:r>
+                <a:rPr lang="pl" sz="800">
+                  <a:latin typeface="Roboto"/>
+                  <a:ea typeface="Roboto"/>
+                  <a:cs typeface="Roboto"/>
+                  <a:sym typeface="Roboto"/>
+                </a:rPr>
+                <a:t>Placing a billboard promoting the health benefits of cycling and the benefits of annual membership at the most frequented bicycle station</a:t>
+              </a:r>
+              <a:endParaRPr sz="800">
+                <a:latin typeface="Roboto"/>
+                <a:ea typeface="Roboto"/>
+                <a:cs typeface="Roboto"/>
+                <a:sym typeface="Roboto"/>
+              </a:endParaRPr>
+            </a:p>
+          </p:txBody>
+        </p:sp>
+      </p:grpSp>
+      <p:grpSp>
+        <p:nvGrpSpPr>
+          <p:cNvPr id="182" name="Google Shape;182;p27"/>
+          <p:cNvGrpSpPr/>
+          <p:nvPr/>
+        </p:nvGrpSpPr>
+        <p:grpSpPr>
+          <a:xfrm>
+            <a:off x="4657738" y="4001300"/>
+            <a:ext cx="4368564" cy="924600"/>
+            <a:chOff x="4657738" y="3391700"/>
+            <a:chExt cx="4368564" cy="924600"/>
+          </a:xfrm>
+        </p:grpSpPr>
+        <p:cxnSp>
+          <p:nvCxnSpPr>
+            <p:cNvPr id="183" name="Google Shape;183;p27"/>
+            <p:cNvCxnSpPr/>
+            <p:nvPr/>
+          </p:nvCxnSpPr>
+          <p:spPr>
+            <a:xfrm>
+              <a:off x="4657738" y="3854000"/>
+              <a:ext cx="1838700" cy="0"/>
+            </a:xfrm>
+            <a:prstGeom prst="straightConnector1">
+              <a:avLst/>
+            </a:prstGeom>
+            <a:noFill/>
+            <a:ln cap="flat" cmpd="sng" w="9525">
+              <a:solidFill>
+                <a:srgbClr val="3F94A4"/>
+              </a:solidFill>
+              <a:prstDash val="solid"/>
+              <a:round/>
+              <a:headEnd len="sm" w="sm" type="none"/>
+              <a:tailEnd len="med" w="med" type="oval"/>
+            </a:ln>
+          </p:spPr>
+        </p:cxnSp>
+        <p:sp>
+          <p:nvSpPr>
+            <p:cNvPr id="184" name="Google Shape;184;p27"/>
+            <p:cNvSpPr txBox="1"/>
+            <p:nvPr/>
+          </p:nvSpPr>
+          <p:spPr>
+            <a:xfrm>
+              <a:off x="6696501" y="3391700"/>
+              <a:ext cx="2329800" cy="924600"/>
+            </a:xfrm>
+            <a:prstGeom prst="rect">
+              <a:avLst/>
+            </a:prstGeom>
+            <a:noFill/>
+            <a:ln>
+              <a:noFill/>
+            </a:ln>
+          </p:spPr>
+          <p:txBody>
+            <a:bodyPr anchorCtr="0" anchor="ctr" bIns="91425" lIns="91425" spcFirstLastPara="1" rIns="91425" wrap="square" tIns="91425">
+              <a:noAutofit/>
+            </a:bodyPr>
+            <a:lstStyle/>
+            <a:p>
+              <a:pPr indent="0" lvl="0" marL="0" rtl="0" algn="ctr">
+                <a:spcBef>
+                  <a:spcPts val="0"/>
+                </a:spcBef>
+                <a:spcAft>
+                  <a:spcPts val="0"/>
+                </a:spcAft>
+                <a:buNone/>
+              </a:pPr>
+              <a:r>
+                <a:rPr b="1" lang="pl" sz="1200">
+                  <a:solidFill>
+                    <a:schemeClr val="dk1"/>
+                  </a:solidFill>
+                  <a:latin typeface="Roboto"/>
+                  <a:ea typeface="Roboto"/>
+                  <a:cs typeface="Roboto"/>
+                  <a:sym typeface="Roboto"/>
+                </a:rPr>
+                <a:t>Notifications for casual users</a:t>
+              </a:r>
+              <a:endParaRPr b="1" sz="1200">
+                <a:solidFill>
+                  <a:schemeClr val="dk1"/>
+                </a:solidFill>
+                <a:latin typeface="Roboto"/>
+                <a:ea typeface="Roboto"/>
+                <a:cs typeface="Roboto"/>
+                <a:sym typeface="Roboto"/>
+              </a:endParaRPr>
+            </a:p>
+            <a:p>
+              <a:pPr indent="0" lvl="0" marL="0" rtl="0" algn="l">
+                <a:spcBef>
+                  <a:spcPts val="0"/>
+                </a:spcBef>
+                <a:spcAft>
+                  <a:spcPts val="0"/>
+                </a:spcAft>
+                <a:buNone/>
+              </a:pPr>
+              <a:r>
+                <a:t/>
+              </a:r>
+              <a:endParaRPr b="1" sz="800">
+                <a:latin typeface="Roboto"/>
+                <a:ea typeface="Roboto"/>
+                <a:cs typeface="Roboto"/>
+                <a:sym typeface="Roboto"/>
+              </a:endParaRPr>
+            </a:p>
+            <a:p>
+              <a:pPr indent="0" lvl="0" marL="0" rtl="0" algn="ctr">
+                <a:spcBef>
+                  <a:spcPts val="0"/>
+                </a:spcBef>
+                <a:spcAft>
+                  <a:spcPts val="1600"/>
+                </a:spcAft>
+                <a:buNone/>
+              </a:pPr>
+              <a:r>
+                <a:rPr lang="pl" sz="800">
+                  <a:latin typeface="Roboto"/>
+                  <a:ea typeface="Roboto"/>
+                  <a:cs typeface="Roboto"/>
+                  <a:sym typeface="Roboto"/>
+                </a:rPr>
+                <a:t>Sending notifications to remind regular casual riders of the long term pricing benefit</a:t>
+              </a:r>
+              <a:endParaRPr b="1" sz="800">
+                <a:latin typeface="Roboto"/>
+                <a:ea typeface="Roboto"/>
+                <a:cs typeface="Roboto"/>
+                <a:sym typeface="Roboto"/>
+              </a:endParaRPr>
+            </a:p>
+          </p:txBody>
+        </p:sp>
+      </p:grpSp>
+      <p:grpSp>
+        <p:nvGrpSpPr>
+          <p:cNvPr id="185" name="Google Shape;185;p27"/>
+          <p:cNvGrpSpPr/>
+          <p:nvPr/>
+        </p:nvGrpSpPr>
+        <p:grpSpPr>
+          <a:xfrm>
+            <a:off x="5209837" y="1852575"/>
+            <a:ext cx="3816464" cy="924600"/>
+            <a:chOff x="5209838" y="1242975"/>
+            <a:chExt cx="3816464" cy="924600"/>
+          </a:xfrm>
+        </p:grpSpPr>
+        <p:sp>
+          <p:nvSpPr>
+            <p:cNvPr id="186" name="Google Shape;186;p27"/>
+            <p:cNvSpPr txBox="1"/>
+            <p:nvPr/>
+          </p:nvSpPr>
+          <p:spPr>
+            <a:xfrm>
+              <a:off x="6696501" y="1242975"/>
+              <a:ext cx="2329800" cy="924600"/>
+            </a:xfrm>
+            <a:prstGeom prst="rect">
+              <a:avLst/>
+            </a:prstGeom>
+            <a:noFill/>
+            <a:ln>
+              <a:noFill/>
+            </a:ln>
+          </p:spPr>
+          <p:txBody>
+            <a:bodyPr anchorCtr="0" anchor="ctr" bIns="91425" lIns="91425" spcFirstLastPara="1" rIns="91425" wrap="square" tIns="91425">
+              <a:noAutofit/>
+            </a:bodyPr>
+            <a:lstStyle/>
+            <a:p>
+              <a:pPr indent="0" lvl="0" marL="0" rtl="0" algn="ctr">
+                <a:spcBef>
+                  <a:spcPts val="0"/>
+                </a:spcBef>
+                <a:spcAft>
+                  <a:spcPts val="0"/>
+                </a:spcAft>
+                <a:buNone/>
+              </a:pPr>
+              <a:r>
+                <a:rPr b="1" lang="pl" sz="1200">
+                  <a:solidFill>
+                    <a:schemeClr val="dk1"/>
+                  </a:solidFill>
+                  <a:latin typeface="Roboto"/>
+                  <a:ea typeface="Roboto"/>
+                  <a:cs typeface="Roboto"/>
+                  <a:sym typeface="Roboto"/>
+                </a:rPr>
+                <a:t>Most digital ads on Saturdays in summer</a:t>
+              </a:r>
+              <a:endParaRPr b="1" sz="1200">
+                <a:solidFill>
+                  <a:schemeClr val="dk1"/>
+                </a:solidFill>
+                <a:latin typeface="Roboto"/>
+                <a:ea typeface="Roboto"/>
+                <a:cs typeface="Roboto"/>
+                <a:sym typeface="Roboto"/>
+              </a:endParaRPr>
+            </a:p>
+            <a:p>
+              <a:pPr indent="0" lvl="0" marL="0" rtl="0" algn="l">
+                <a:spcBef>
+                  <a:spcPts val="0"/>
+                </a:spcBef>
+                <a:spcAft>
+                  <a:spcPts val="0"/>
+                </a:spcAft>
+                <a:buNone/>
+              </a:pPr>
+              <a:r>
+                <a:t/>
+              </a:r>
+              <a:endParaRPr b="1" sz="800">
+                <a:latin typeface="Roboto"/>
+                <a:ea typeface="Roboto"/>
+                <a:cs typeface="Roboto"/>
+                <a:sym typeface="Roboto"/>
+              </a:endParaRPr>
+            </a:p>
+            <a:p>
+              <a:pPr indent="0" lvl="0" marL="0" rtl="0" algn="ctr">
+                <a:spcBef>
+                  <a:spcPts val="0"/>
+                </a:spcBef>
+                <a:spcAft>
+                  <a:spcPts val="1600"/>
+                </a:spcAft>
+                <a:buNone/>
+              </a:pPr>
+              <a:r>
+                <a:rPr lang="pl" sz="800">
+                  <a:latin typeface="Roboto"/>
+                  <a:ea typeface="Roboto"/>
+                  <a:cs typeface="Roboto"/>
+                  <a:sym typeface="Roboto"/>
+                </a:rPr>
+                <a:t>Accumulating of the most flashy ads on the most popular day of the week in the warmest months, starting in May/June</a:t>
+              </a:r>
+              <a:endParaRPr b="1" sz="800">
+                <a:latin typeface="Roboto"/>
+                <a:ea typeface="Roboto"/>
+                <a:cs typeface="Roboto"/>
+                <a:sym typeface="Roboto"/>
+              </a:endParaRPr>
+            </a:p>
+          </p:txBody>
+        </p:sp>
+        <p:cxnSp>
+          <p:nvCxnSpPr>
+            <p:cNvPr id="187" name="Google Shape;187;p27"/>
+            <p:cNvCxnSpPr/>
+            <p:nvPr/>
+          </p:nvCxnSpPr>
+          <p:spPr>
+            <a:xfrm>
+              <a:off x="5209838" y="1654113"/>
+              <a:ext cx="1286700" cy="0"/>
+            </a:xfrm>
+            <a:prstGeom prst="straightConnector1">
+              <a:avLst/>
+            </a:prstGeom>
+            <a:noFill/>
+            <a:ln cap="flat" cmpd="sng" w="9525">
+              <a:solidFill>
+                <a:srgbClr val="3F94A4"/>
+              </a:solidFill>
+              <a:prstDash val="solid"/>
+              <a:round/>
+              <a:headEnd len="sm" w="sm" type="none"/>
+              <a:tailEnd len="med" w="med" type="oval"/>
+            </a:ln>
+          </p:spPr>
+        </p:cxnSp>
+      </p:grpSp>
+      <p:grpSp>
+        <p:nvGrpSpPr>
+          <p:cNvPr id="188" name="Google Shape;188;p27"/>
+          <p:cNvGrpSpPr/>
+          <p:nvPr/>
+        </p:nvGrpSpPr>
+        <p:grpSpPr>
+          <a:xfrm>
+            <a:off x="5610288" y="2922950"/>
+            <a:ext cx="3416014" cy="924600"/>
+            <a:chOff x="5610288" y="2313350"/>
+            <a:chExt cx="3416014" cy="924600"/>
+          </a:xfrm>
+        </p:grpSpPr>
+        <p:cxnSp>
+          <p:nvCxnSpPr>
+            <p:cNvPr id="189" name="Google Shape;189;p27"/>
+            <p:cNvCxnSpPr/>
+            <p:nvPr/>
+          </p:nvCxnSpPr>
+          <p:spPr>
+            <a:xfrm>
+              <a:off x="5610288" y="2775650"/>
+              <a:ext cx="886200" cy="0"/>
+            </a:xfrm>
+            <a:prstGeom prst="straightConnector1">
+              <a:avLst/>
+            </a:prstGeom>
+            <a:noFill/>
+            <a:ln cap="flat" cmpd="sng" w="9525">
+              <a:solidFill>
+                <a:srgbClr val="3F94A4"/>
+              </a:solidFill>
+              <a:prstDash val="solid"/>
+              <a:round/>
+              <a:headEnd len="sm" w="sm" type="none"/>
+              <a:tailEnd len="med" w="med" type="oval"/>
+            </a:ln>
+          </p:spPr>
+        </p:cxnSp>
+        <p:sp>
+          <p:nvSpPr>
+            <p:cNvPr id="190" name="Google Shape;190;p27"/>
+            <p:cNvSpPr txBox="1"/>
+            <p:nvPr/>
+          </p:nvSpPr>
+          <p:spPr>
+            <a:xfrm>
+              <a:off x="6696501" y="2313350"/>
+              <a:ext cx="2329800" cy="924600"/>
+            </a:xfrm>
+            <a:prstGeom prst="rect">
+              <a:avLst/>
+            </a:prstGeom>
+            <a:noFill/>
+            <a:ln>
+              <a:noFill/>
+            </a:ln>
+          </p:spPr>
+          <p:txBody>
+            <a:bodyPr anchorCtr="0" anchor="ctr" bIns="91425" lIns="91425" spcFirstLastPara="1" rIns="91425" wrap="square" tIns="91425">
+              <a:noAutofit/>
+            </a:bodyPr>
+            <a:lstStyle/>
+            <a:p>
+              <a:pPr indent="0" lvl="0" marL="0" rtl="0" algn="ctr">
+                <a:spcBef>
+                  <a:spcPts val="0"/>
+                </a:spcBef>
+                <a:spcAft>
+                  <a:spcPts val="0"/>
+                </a:spcAft>
+                <a:buNone/>
+              </a:pPr>
+              <a:r>
+                <a:rPr b="1" lang="pl" sz="1200">
+                  <a:solidFill>
+                    <a:schemeClr val="dk1"/>
+                  </a:solidFill>
+                  <a:latin typeface="Roboto"/>
+                  <a:ea typeface="Roboto"/>
+                  <a:cs typeface="Roboto"/>
+                  <a:sym typeface="Roboto"/>
+                </a:rPr>
+                <a:t>Discounts for long term members</a:t>
+              </a:r>
+              <a:endParaRPr b="1" sz="1200">
+                <a:solidFill>
+                  <a:schemeClr val="dk1"/>
+                </a:solidFill>
+                <a:latin typeface="Roboto"/>
+                <a:ea typeface="Roboto"/>
+                <a:cs typeface="Roboto"/>
+                <a:sym typeface="Roboto"/>
+              </a:endParaRPr>
+            </a:p>
+            <a:p>
+              <a:pPr indent="0" lvl="0" marL="0" rtl="0" algn="l">
+                <a:spcBef>
+                  <a:spcPts val="0"/>
+                </a:spcBef>
+                <a:spcAft>
+                  <a:spcPts val="0"/>
+                </a:spcAft>
+                <a:buNone/>
+              </a:pPr>
+              <a:r>
+                <a:t/>
+              </a:r>
+              <a:endParaRPr b="1" sz="800">
+                <a:latin typeface="Roboto"/>
+                <a:ea typeface="Roboto"/>
+                <a:cs typeface="Roboto"/>
+                <a:sym typeface="Roboto"/>
+              </a:endParaRPr>
+            </a:p>
+            <a:p>
+              <a:pPr indent="0" lvl="0" marL="0" rtl="0" algn="ctr">
+                <a:spcBef>
+                  <a:spcPts val="0"/>
+                </a:spcBef>
+                <a:spcAft>
+                  <a:spcPts val="1600"/>
+                </a:spcAft>
+                <a:buNone/>
+              </a:pPr>
+              <a:r>
+                <a:rPr lang="pl" sz="800">
+                  <a:latin typeface="Roboto"/>
+                  <a:ea typeface="Roboto"/>
+                  <a:cs typeface="Roboto"/>
+                  <a:sym typeface="Roboto"/>
+                </a:rPr>
+                <a:t>Giving one free month for each year of membership as an annual member of Cyclitics</a:t>
+              </a:r>
+              <a:endParaRPr sz="800">
+                <a:latin typeface="Roboto"/>
+                <a:ea typeface="Roboto"/>
+                <a:cs typeface="Roboto"/>
+                <a:sym typeface="Roboto"/>
+              </a:endParaRPr>
+            </a:p>
+          </p:txBody>
+        </p:sp>
+      </p:grpSp>
+      <p:grpSp>
+        <p:nvGrpSpPr>
+          <p:cNvPr id="191" name="Google Shape;191;p27"/>
+          <p:cNvGrpSpPr/>
+          <p:nvPr/>
+        </p:nvGrpSpPr>
+        <p:grpSpPr>
+          <a:xfrm>
+            <a:off x="2601236" y="1264551"/>
+            <a:ext cx="3922200" cy="3915924"/>
+            <a:chOff x="2610905" y="610653"/>
+            <a:chExt cx="3922200" cy="3922200"/>
+          </a:xfrm>
+        </p:grpSpPr>
+        <p:sp>
+          <p:nvSpPr>
+            <p:cNvPr id="192" name="Google Shape;192;p27"/>
+            <p:cNvSpPr/>
+            <p:nvPr/>
+          </p:nvSpPr>
+          <p:spPr>
+            <a:xfrm rot="-4980021">
+              <a:off x="3204123" y="1186472"/>
+              <a:ext cx="2771960" cy="2771960"/>
+            </a:xfrm>
+            <a:prstGeom prst="blockArc">
+              <a:avLst>
+                <a:gd fmla="val 12602522" name="adj1"/>
+                <a:gd fmla="val 16867657" name="adj2"/>
+                <a:gd fmla="val 20844" name="adj3"/>
+              </a:avLst>
+            </a:prstGeom>
+            <a:solidFill>
+              <a:srgbClr val="3F94A4"/>
+            </a:solidFill>
+            <a:ln>
+              <a:noFill/>
+            </a:ln>
+          </p:spPr>
+          <p:txBody>
+            <a:bodyPr anchorCtr="0" anchor="ctr" bIns="91425" lIns="91425" spcFirstLastPara="1" rIns="91425" wrap="square" tIns="91425">
+              <a:noAutofit/>
+            </a:bodyPr>
+            <a:lstStyle/>
+            <a:p>
+              <a:pPr indent="0" lvl="0" marL="0" rtl="0" algn="l">
+                <a:spcBef>
+                  <a:spcPts val="0"/>
+                </a:spcBef>
+                <a:spcAft>
+                  <a:spcPts val="0"/>
+                </a:spcAft>
+                <a:buNone/>
+              </a:pPr>
+              <a:r>
+                <a:t/>
+              </a:r>
+              <a:endParaRPr/>
+            </a:p>
+          </p:txBody>
+        </p:sp>
+        <p:sp>
+          <p:nvSpPr>
+            <p:cNvPr id="193" name="Google Shape;193;p27"/>
+            <p:cNvSpPr/>
+            <p:nvPr/>
+          </p:nvSpPr>
+          <p:spPr>
+            <a:xfrm rot="7920309">
+              <a:off x="3183402" y="1183149"/>
+              <a:ext cx="2777207" cy="2777207"/>
+            </a:xfrm>
+            <a:prstGeom prst="blockArc">
+              <a:avLst>
+                <a:gd fmla="val 12602522" name="adj1"/>
+                <a:gd fmla="val 16867657" name="adj2"/>
+                <a:gd fmla="val 20844" name="adj3"/>
+              </a:avLst>
+            </a:prstGeom>
+            <a:solidFill>
+              <a:srgbClr val="3F94A4"/>
+            </a:solidFill>
+            <a:ln>
+              <a:noFill/>
+            </a:ln>
+          </p:spPr>
+          <p:txBody>
+            <a:bodyPr anchorCtr="0" anchor="ctr" bIns="91425" lIns="91425" spcFirstLastPara="1" rIns="91425" wrap="square" tIns="91425">
+              <a:noAutofit/>
+            </a:bodyPr>
+            <a:lstStyle/>
+            <a:p>
+              <a:pPr indent="0" lvl="0" marL="0" rtl="0" algn="l">
+                <a:spcBef>
+                  <a:spcPts val="0"/>
+                </a:spcBef>
+                <a:spcAft>
+                  <a:spcPts val="0"/>
+                </a:spcAft>
+                <a:buNone/>
+              </a:pPr>
+              <a:r>
+                <a:t/>
+              </a:r>
+              <a:endParaRPr/>
+            </a:p>
+          </p:txBody>
+        </p:sp>
+        <p:sp>
+          <p:nvSpPr>
+            <p:cNvPr id="194" name="Google Shape;194;p27"/>
+            <p:cNvSpPr/>
+            <p:nvPr/>
+          </p:nvSpPr>
+          <p:spPr>
+            <a:xfrm rot="3600063">
+              <a:off x="3186335" y="1195681"/>
+              <a:ext cx="2777488" cy="2777488"/>
+            </a:xfrm>
+            <a:prstGeom prst="blockArc">
+              <a:avLst>
+                <a:gd fmla="val 12602522" name="adj1"/>
+                <a:gd fmla="val 16867657" name="adj2"/>
+                <a:gd fmla="val 20844" name="adj3"/>
+              </a:avLst>
+            </a:prstGeom>
+            <a:solidFill>
+              <a:srgbClr val="3F94A4"/>
+            </a:solidFill>
+            <a:ln>
+              <a:noFill/>
+            </a:ln>
+          </p:spPr>
+          <p:txBody>
+            <a:bodyPr anchorCtr="0" anchor="ctr" bIns="91425" lIns="91425" spcFirstLastPara="1" rIns="91425" wrap="square" tIns="91425">
+              <a:noAutofit/>
+            </a:bodyPr>
+            <a:lstStyle/>
+            <a:p>
+              <a:pPr indent="0" lvl="0" marL="0" rtl="0" algn="l">
+                <a:spcBef>
+                  <a:spcPts val="0"/>
+                </a:spcBef>
+                <a:spcAft>
+                  <a:spcPts val="0"/>
+                </a:spcAft>
+                <a:buNone/>
+              </a:pPr>
+              <a:r>
+                <a:t/>
+              </a:r>
+              <a:endParaRPr/>
+            </a:p>
+          </p:txBody>
+        </p:sp>
+        <p:sp>
+          <p:nvSpPr>
+            <p:cNvPr id="195" name="Google Shape;195;p27"/>
+            <p:cNvSpPr/>
+            <p:nvPr/>
+          </p:nvSpPr>
+          <p:spPr>
+            <a:xfrm rot="4024705">
+              <a:off x="5326681" y="1940898"/>
+              <a:ext cx="578477" cy="579147"/>
+            </a:xfrm>
+            <a:prstGeom prst="pie">
+              <a:avLst>
+                <a:gd fmla="val 6190354" name="adj1"/>
+                <a:gd fmla="val 14996165" name="adj2"/>
+              </a:avLst>
+            </a:prstGeom>
+            <a:solidFill>
+              <a:srgbClr val="3F94A4"/>
+            </a:solidFill>
+            <a:ln>
+              <a:noFill/>
+            </a:ln>
+            <a:effectLst>
+              <a:outerShdw blurRad="142875" rotWithShape="0" algn="bl">
+                <a:srgbClr val="000000">
+                  <a:alpha val="43000"/>
+                </a:srgbClr>
+              </a:outerShdw>
+            </a:effectLst>
+          </p:spPr>
+          <p:txBody>
+            <a:bodyPr anchorCtr="0" anchor="ctr" bIns="91425" lIns="91425" spcFirstLastPara="1" rIns="91425" wrap="square" tIns="91425">
+              <a:noAutofit/>
+            </a:bodyPr>
+            <a:lstStyle/>
+            <a:p>
+              <a:pPr indent="0" lvl="0" marL="0" rtl="0" algn="l">
+                <a:spcBef>
+                  <a:spcPts val="0"/>
+                </a:spcBef>
+                <a:spcAft>
+                  <a:spcPts val="0"/>
+                </a:spcAft>
+                <a:buNone/>
+              </a:pPr>
+              <a:r>
+                <a:t/>
+              </a:r>
+              <a:endParaRPr/>
+            </a:p>
+          </p:txBody>
+        </p:sp>
+        <p:sp>
+          <p:nvSpPr>
+            <p:cNvPr id="196" name="Google Shape;196;p27"/>
+            <p:cNvSpPr/>
+            <p:nvPr/>
+          </p:nvSpPr>
+          <p:spPr>
+            <a:xfrm rot="-6816027">
+              <a:off x="5326729" y="1940918"/>
+              <a:ext cx="578485" cy="579035"/>
+            </a:xfrm>
+            <a:prstGeom prst="pie">
+              <a:avLst>
+                <a:gd fmla="val 4028252" name="adj1"/>
+                <a:gd fmla="val 17183677" name="adj2"/>
+              </a:avLst>
+            </a:prstGeom>
+            <a:solidFill>
+              <a:srgbClr val="3F94A4"/>
+            </a:solidFill>
+            <a:ln>
+              <a:noFill/>
+            </a:ln>
+          </p:spPr>
+          <p:txBody>
+            <a:bodyPr anchorCtr="0" anchor="ctr" bIns="91425" lIns="91425" spcFirstLastPara="1" rIns="91425" wrap="square" tIns="91425">
+              <a:noAutofit/>
+            </a:bodyPr>
+            <a:lstStyle/>
+            <a:p>
+              <a:pPr indent="0" lvl="0" marL="0" rtl="0" algn="l">
+                <a:spcBef>
+                  <a:spcPts val="0"/>
+                </a:spcBef>
+                <a:spcAft>
+                  <a:spcPts val="0"/>
+                </a:spcAft>
+                <a:buNone/>
+              </a:pPr>
+              <a:r>
+                <a:t/>
+              </a:r>
+              <a:endParaRPr/>
+            </a:p>
+          </p:txBody>
+        </p:sp>
+        <p:sp>
+          <p:nvSpPr>
+            <p:cNvPr id="197" name="Google Shape;197;p27"/>
+            <p:cNvSpPr/>
+            <p:nvPr/>
+          </p:nvSpPr>
+          <p:spPr>
+            <a:xfrm rot="-9359762">
+              <a:off x="3193941" y="1176205"/>
+              <a:ext cx="2777287" cy="2777287"/>
+            </a:xfrm>
+            <a:prstGeom prst="blockArc">
+              <a:avLst>
+                <a:gd fmla="val 12602522" name="adj1"/>
+                <a:gd fmla="val 16867657" name="adj2"/>
+                <a:gd fmla="val 20844" name="adj3"/>
+              </a:avLst>
+            </a:prstGeom>
+            <a:solidFill>
+              <a:srgbClr val="3F94A4"/>
+            </a:solidFill>
+            <a:ln>
+              <a:noFill/>
+            </a:ln>
+          </p:spPr>
+          <p:txBody>
+            <a:bodyPr anchorCtr="0" anchor="ctr" bIns="91425" lIns="91425" spcFirstLastPara="1" rIns="91425" wrap="square" tIns="91425">
+              <a:noAutofit/>
+            </a:bodyPr>
+            <a:lstStyle/>
+            <a:p>
+              <a:pPr indent="0" lvl="0" marL="0" rtl="0" algn="l">
+                <a:spcBef>
+                  <a:spcPts val="0"/>
+                </a:spcBef>
+                <a:spcAft>
+                  <a:spcPts val="0"/>
+                </a:spcAft>
+                <a:buNone/>
+              </a:pPr>
+              <a:r>
+                <a:t/>
+              </a:r>
+              <a:endParaRPr/>
+            </a:p>
+          </p:txBody>
+        </p:sp>
+        <p:sp>
+          <p:nvSpPr>
+            <p:cNvPr id="198" name="Google Shape;198;p27"/>
+            <p:cNvSpPr/>
+            <p:nvPr/>
+          </p:nvSpPr>
+          <p:spPr>
+            <a:xfrm rot="-8936366">
+              <a:off x="3659126" y="3173505"/>
+              <a:ext cx="578551" cy="578963"/>
+            </a:xfrm>
+            <a:prstGeom prst="pie">
+              <a:avLst>
+                <a:gd fmla="val 6190354" name="adj1"/>
+                <a:gd fmla="val 14996165" name="adj2"/>
+              </a:avLst>
+            </a:prstGeom>
+            <a:solidFill>
+              <a:srgbClr val="3F94A4"/>
+            </a:solidFill>
+            <a:ln>
+              <a:noFill/>
+            </a:ln>
+            <a:effectLst>
+              <a:outerShdw blurRad="142875" rotWithShape="0" algn="bl">
+                <a:srgbClr val="000000">
+                  <a:alpha val="43000"/>
+                </a:srgbClr>
+              </a:outerShdw>
+            </a:effectLst>
+          </p:spPr>
+          <p:txBody>
+            <a:bodyPr anchorCtr="0" anchor="ctr" bIns="91425" lIns="91425" spcFirstLastPara="1" rIns="91425" wrap="square" tIns="91425">
+              <a:noAutofit/>
+            </a:bodyPr>
+            <a:lstStyle/>
+            <a:p>
+              <a:pPr indent="0" lvl="0" marL="0" rtl="0" algn="l">
+                <a:spcBef>
+                  <a:spcPts val="0"/>
+                </a:spcBef>
+                <a:spcAft>
+                  <a:spcPts val="0"/>
+                </a:spcAft>
+                <a:buNone/>
+              </a:pPr>
+              <a:r>
+                <a:t/>
+              </a:r>
+              <a:endParaRPr/>
+            </a:p>
+          </p:txBody>
+        </p:sp>
+        <p:sp>
+          <p:nvSpPr>
+            <p:cNvPr id="199" name="Google Shape;199;p27"/>
+            <p:cNvSpPr/>
+            <p:nvPr/>
+          </p:nvSpPr>
+          <p:spPr>
+            <a:xfrm rot="1824498">
+              <a:off x="3659375" y="3173497"/>
+              <a:ext cx="578475" cy="578885"/>
+            </a:xfrm>
+            <a:prstGeom prst="pie">
+              <a:avLst>
+                <a:gd fmla="val 4028252" name="adj1"/>
+                <a:gd fmla="val 17183677" name="adj2"/>
+              </a:avLst>
+            </a:prstGeom>
+            <a:solidFill>
+              <a:srgbClr val="3F94A4"/>
+            </a:solidFill>
+            <a:ln>
+              <a:noFill/>
+            </a:ln>
+          </p:spPr>
+          <p:txBody>
+            <a:bodyPr anchorCtr="0" anchor="ctr" bIns="91425" lIns="91425" spcFirstLastPara="1" rIns="91425" wrap="square" tIns="91425">
+              <a:noAutofit/>
+            </a:bodyPr>
+            <a:lstStyle/>
+            <a:p>
+              <a:pPr indent="0" lvl="0" marL="0" rtl="0" algn="l">
+                <a:spcBef>
+                  <a:spcPts val="0"/>
+                </a:spcBef>
+                <a:spcAft>
+                  <a:spcPts val="0"/>
+                </a:spcAft>
+                <a:buNone/>
+              </a:pPr>
+              <a:r>
+                <a:t/>
+              </a:r>
+              <a:endParaRPr/>
+            </a:p>
+          </p:txBody>
+        </p:sp>
+        <p:sp>
+          <p:nvSpPr>
+            <p:cNvPr id="200" name="Google Shape;200;p27"/>
+            <p:cNvSpPr/>
+            <p:nvPr/>
+          </p:nvSpPr>
+          <p:spPr>
+            <a:xfrm rot="-600092">
+              <a:off x="3198852" y="1195456"/>
+              <a:ext cx="2777611" cy="2777611"/>
+            </a:xfrm>
+            <a:prstGeom prst="blockArc">
+              <a:avLst>
+                <a:gd fmla="val 12513247" name="adj1"/>
+                <a:gd fmla="val 16867657" name="adj2"/>
+                <a:gd fmla="val 20844" name="adj3"/>
+              </a:avLst>
+            </a:prstGeom>
+            <a:solidFill>
+              <a:srgbClr val="3F94A4"/>
+            </a:solidFill>
+            <a:ln>
+              <a:noFill/>
+            </a:ln>
+          </p:spPr>
+          <p:txBody>
+            <a:bodyPr anchorCtr="0" anchor="ctr" bIns="91425" lIns="91425" spcFirstLastPara="1" rIns="91425" wrap="square" tIns="91425">
+              <a:noAutofit/>
+            </a:bodyPr>
+            <a:lstStyle/>
+            <a:p>
+              <a:pPr indent="0" lvl="0" marL="0" rtl="0" algn="l">
+                <a:spcBef>
+                  <a:spcPts val="0"/>
+                </a:spcBef>
+                <a:spcAft>
+                  <a:spcPts val="0"/>
+                </a:spcAft>
+                <a:buNone/>
+              </a:pPr>
+              <a:r>
+                <a:t/>
+              </a:r>
+              <a:endParaRPr/>
+            </a:p>
+          </p:txBody>
+        </p:sp>
+        <p:sp>
+          <p:nvSpPr>
+            <p:cNvPr id="201" name="Google Shape;201;p27"/>
+            <p:cNvSpPr/>
+            <p:nvPr/>
+          </p:nvSpPr>
+          <p:spPr>
+            <a:xfrm rot="-176551">
+              <a:off x="4312105" y="1195442"/>
+              <a:ext cx="578563" cy="579162"/>
+            </a:xfrm>
+            <a:prstGeom prst="pie">
+              <a:avLst>
+                <a:gd fmla="val 6190354" name="adj1"/>
+                <a:gd fmla="val 14996165" name="adj2"/>
+              </a:avLst>
+            </a:prstGeom>
+            <a:solidFill>
+              <a:srgbClr val="3F94A4"/>
+            </a:solidFill>
+            <a:ln>
+              <a:noFill/>
+            </a:ln>
+            <a:effectLst>
+              <a:outerShdw blurRad="142875" rotWithShape="0" algn="bl">
+                <a:srgbClr val="000000">
+                  <a:alpha val="43000"/>
+                </a:srgbClr>
+              </a:outerShdw>
+            </a:effectLst>
+          </p:spPr>
+          <p:txBody>
+            <a:bodyPr anchorCtr="0" anchor="ctr" bIns="91425" lIns="91425" spcFirstLastPara="1" rIns="91425" wrap="square" tIns="91425">
+              <a:noAutofit/>
+            </a:bodyPr>
+            <a:lstStyle/>
+            <a:p>
+              <a:pPr indent="0" lvl="0" marL="0" rtl="0" algn="l">
+                <a:spcBef>
+                  <a:spcPts val="0"/>
+                </a:spcBef>
+                <a:spcAft>
+                  <a:spcPts val="0"/>
+                </a:spcAft>
+                <a:buNone/>
+              </a:pPr>
+              <a:r>
+                <a:t/>
+              </a:r>
+              <a:endParaRPr/>
+            </a:p>
+          </p:txBody>
+        </p:sp>
+        <p:sp>
+          <p:nvSpPr>
+            <p:cNvPr id="202" name="Google Shape;202;p27"/>
+            <p:cNvSpPr/>
+            <p:nvPr/>
+          </p:nvSpPr>
+          <p:spPr>
+            <a:xfrm rot="10584085">
+              <a:off x="4312088" y="1195622"/>
+              <a:ext cx="578340" cy="578939"/>
+            </a:xfrm>
+            <a:prstGeom prst="pie">
+              <a:avLst>
+                <a:gd fmla="val 4028252" name="adj1"/>
+                <a:gd fmla="val 17183677" name="adj2"/>
+              </a:avLst>
+            </a:prstGeom>
+            <a:solidFill>
+              <a:srgbClr val="3F94A4"/>
+            </a:solidFill>
+            <a:ln>
+              <a:noFill/>
+            </a:ln>
+          </p:spPr>
+          <p:txBody>
+            <a:bodyPr anchorCtr="0" anchor="ctr" bIns="91425" lIns="91425" spcFirstLastPara="1" rIns="91425" wrap="square" tIns="91425">
+              <a:noAutofit/>
+            </a:bodyPr>
+            <a:lstStyle/>
+            <a:p>
+              <a:pPr indent="0" lvl="0" marL="0" rtl="0" algn="l">
+                <a:spcBef>
+                  <a:spcPts val="0"/>
+                </a:spcBef>
+                <a:spcAft>
+                  <a:spcPts val="0"/>
+                </a:spcAft>
+                <a:buNone/>
+              </a:pPr>
+              <a:r>
+                <a:t/>
+              </a:r>
+              <a:endParaRPr/>
+            </a:p>
+          </p:txBody>
+        </p:sp>
+        <p:sp>
+          <p:nvSpPr>
+            <p:cNvPr id="203" name="Google Shape;203;p27"/>
+            <p:cNvSpPr/>
+            <p:nvPr/>
+          </p:nvSpPr>
+          <p:spPr>
+            <a:xfrm rot="8344778">
+              <a:off x="4940929" y="3162886"/>
+              <a:ext cx="578465" cy="578888"/>
+            </a:xfrm>
+            <a:prstGeom prst="pie">
+              <a:avLst>
+                <a:gd fmla="val 6190354" name="adj1"/>
+                <a:gd fmla="val 14996165" name="adj2"/>
+              </a:avLst>
+            </a:prstGeom>
+            <a:solidFill>
+              <a:srgbClr val="3F94A4"/>
+            </a:solidFill>
+            <a:ln>
+              <a:noFill/>
+            </a:ln>
+            <a:effectLst>
+              <a:outerShdw blurRad="142875" rotWithShape="0" algn="bl">
+                <a:srgbClr val="000000">
+                  <a:alpha val="43000"/>
+                </a:srgbClr>
+              </a:outerShdw>
+            </a:effectLst>
+          </p:spPr>
+          <p:txBody>
+            <a:bodyPr anchorCtr="0" anchor="ctr" bIns="91425" lIns="91425" spcFirstLastPara="1" rIns="91425" wrap="square" tIns="91425">
+              <a:noAutofit/>
+            </a:bodyPr>
+            <a:lstStyle/>
+            <a:p>
+              <a:pPr indent="0" lvl="0" marL="0" rtl="0" algn="l">
+                <a:spcBef>
+                  <a:spcPts val="0"/>
+                </a:spcBef>
+                <a:spcAft>
+                  <a:spcPts val="0"/>
+                </a:spcAft>
+                <a:buNone/>
+              </a:pPr>
+              <a:r>
+                <a:t/>
+              </a:r>
+              <a:endParaRPr/>
+            </a:p>
+          </p:txBody>
+        </p:sp>
+        <p:sp>
+          <p:nvSpPr>
+            <p:cNvPr id="204" name="Google Shape;204;p27"/>
+            <p:cNvSpPr/>
+            <p:nvPr/>
+          </p:nvSpPr>
+          <p:spPr>
+            <a:xfrm rot="-2495643">
+              <a:off x="4941000" y="3162728"/>
+              <a:ext cx="578445" cy="579093"/>
+            </a:xfrm>
+            <a:prstGeom prst="pie">
+              <a:avLst>
+                <a:gd fmla="val 4028252" name="adj1"/>
+                <a:gd fmla="val 17183677" name="adj2"/>
+              </a:avLst>
+            </a:prstGeom>
+            <a:solidFill>
+              <a:srgbClr val="3F94A4"/>
+            </a:solidFill>
+            <a:ln>
+              <a:noFill/>
+            </a:ln>
+          </p:spPr>
+          <p:txBody>
+            <a:bodyPr anchorCtr="0" anchor="ctr" bIns="91425" lIns="91425" spcFirstLastPara="1" rIns="91425" wrap="square" tIns="91425">
+              <a:noAutofit/>
+            </a:bodyPr>
+            <a:lstStyle/>
+            <a:p>
+              <a:pPr indent="0" lvl="0" marL="0" rtl="0" algn="l">
+                <a:spcBef>
+                  <a:spcPts val="0"/>
+                </a:spcBef>
+                <a:spcAft>
+                  <a:spcPts val="0"/>
+                </a:spcAft>
+                <a:buNone/>
+              </a:pPr>
+              <a:r>
+                <a:t/>
+              </a:r>
+              <a:endParaRPr/>
+            </a:p>
+          </p:txBody>
+        </p:sp>
+        <p:sp>
+          <p:nvSpPr>
+            <p:cNvPr id="205" name="Google Shape;205;p27"/>
+            <p:cNvSpPr/>
+            <p:nvPr/>
+          </p:nvSpPr>
+          <p:spPr>
+            <a:xfrm rot="-4556960">
+              <a:off x="3257335" y="1939059"/>
+              <a:ext cx="578302" cy="578957"/>
+            </a:xfrm>
+            <a:prstGeom prst="pie">
+              <a:avLst>
+                <a:gd fmla="val 6190354" name="adj1"/>
+                <a:gd fmla="val 14996165" name="adj2"/>
+              </a:avLst>
+            </a:prstGeom>
+            <a:solidFill>
+              <a:srgbClr val="3F94A4"/>
+            </a:solidFill>
+            <a:ln>
+              <a:noFill/>
+            </a:ln>
+            <a:effectLst>
+              <a:outerShdw blurRad="142875" rotWithShape="0" algn="bl">
+                <a:srgbClr val="000000">
+                  <a:alpha val="43000"/>
+                </a:srgbClr>
+              </a:outerShdw>
+            </a:effectLst>
+          </p:spPr>
+          <p:txBody>
+            <a:bodyPr anchorCtr="0" anchor="ctr" bIns="91425" lIns="91425" spcFirstLastPara="1" rIns="91425" wrap="square" tIns="91425">
+              <a:noAutofit/>
+            </a:bodyPr>
+            <a:lstStyle/>
+            <a:p>
+              <a:pPr indent="0" lvl="0" marL="0" rtl="0" algn="l">
+                <a:spcBef>
+                  <a:spcPts val="0"/>
+                </a:spcBef>
+                <a:spcAft>
+                  <a:spcPts val="0"/>
+                </a:spcAft>
+                <a:buNone/>
+              </a:pPr>
+              <a:r>
+                <a:t/>
+              </a:r>
+              <a:endParaRPr/>
+            </a:p>
+          </p:txBody>
+        </p:sp>
+        <p:sp>
+          <p:nvSpPr>
+            <p:cNvPr id="206" name="Google Shape;206;p27"/>
+            <p:cNvSpPr/>
+            <p:nvPr/>
+          </p:nvSpPr>
+          <p:spPr>
+            <a:xfrm rot="6204541">
+              <a:off x="3257468" y="1938977"/>
+              <a:ext cx="578264" cy="578917"/>
+            </a:xfrm>
+            <a:prstGeom prst="pie">
+              <a:avLst>
+                <a:gd fmla="val 4028252" name="adj1"/>
+                <a:gd fmla="val 17183677" name="adj2"/>
+              </a:avLst>
+            </a:prstGeom>
+            <a:solidFill>
+              <a:srgbClr val="3F94A4"/>
+            </a:solidFill>
+            <a:ln>
+              <a:noFill/>
+            </a:ln>
+          </p:spPr>
+          <p:txBody>
+            <a:bodyPr anchorCtr="0" anchor="ctr" bIns="91425" lIns="91425" spcFirstLastPara="1" rIns="91425" wrap="square" tIns="91425">
+              <a:noAutofit/>
+            </a:bodyPr>
+            <a:lstStyle/>
+            <a:p>
+              <a:pPr indent="0" lvl="0" marL="0" rtl="0" algn="l">
+                <a:spcBef>
+                  <a:spcPts val="0"/>
+                </a:spcBef>
+                <a:spcAft>
+                  <a:spcPts val="0"/>
+                </a:spcAft>
+                <a:buNone/>
+              </a:pPr>
+              <a:r>
+                <a:t/>
+              </a:r>
+              <a:endParaRPr/>
+            </a:p>
+          </p:txBody>
+        </p:sp>
+        <p:sp>
+          <p:nvSpPr>
+            <p:cNvPr id="207" name="Google Shape;207;p27"/>
+            <p:cNvSpPr txBox="1"/>
+            <p:nvPr/>
+          </p:nvSpPr>
+          <p:spPr>
+            <a:xfrm>
+              <a:off x="4341900" y="1271896"/>
+              <a:ext cx="507900" cy="266100"/>
+            </a:xfrm>
+            <a:prstGeom prst="rect">
+              <a:avLst/>
+            </a:prstGeom>
+            <a:noFill/>
+            <a:ln>
+              <a:noFill/>
+            </a:ln>
+          </p:spPr>
+          <p:txBody>
+            <a:bodyPr anchorCtr="0" anchor="t" bIns="91425" lIns="91425" spcFirstLastPara="1" rIns="91425" wrap="square" tIns="91425">
+              <a:noAutofit/>
+            </a:bodyPr>
+            <a:lstStyle/>
+            <a:p>
+              <a:pPr indent="0" lvl="0" marL="0" rtl="0" algn="ctr">
+                <a:spcBef>
+                  <a:spcPts val="0"/>
+                </a:spcBef>
+                <a:spcAft>
+                  <a:spcPts val="0"/>
+                </a:spcAft>
+                <a:buNone/>
+              </a:pPr>
+              <a:r>
+                <a:rPr b="1" lang="pl" sz="1600">
+                  <a:solidFill>
+                    <a:srgbClr val="FFFFFF"/>
+                  </a:solidFill>
+                  <a:latin typeface="Roboto"/>
+                  <a:ea typeface="Roboto"/>
+                  <a:cs typeface="Roboto"/>
+                  <a:sym typeface="Roboto"/>
+                </a:rPr>
+                <a:t>05</a:t>
+              </a:r>
+              <a:endParaRPr b="1" sz="1600">
+                <a:solidFill>
+                  <a:srgbClr val="FFFFFF"/>
+                </a:solidFill>
+                <a:latin typeface="Roboto"/>
+                <a:ea typeface="Roboto"/>
+                <a:cs typeface="Roboto"/>
+                <a:sym typeface="Roboto"/>
+              </a:endParaRPr>
+            </a:p>
+          </p:txBody>
+        </p:sp>
+        <p:sp>
+          <p:nvSpPr>
+            <p:cNvPr id="208" name="Google Shape;208;p27"/>
+            <p:cNvSpPr txBox="1"/>
+            <p:nvPr/>
+          </p:nvSpPr>
+          <p:spPr>
+            <a:xfrm>
+              <a:off x="3274219" y="2018364"/>
+              <a:ext cx="507900" cy="266100"/>
+            </a:xfrm>
+            <a:prstGeom prst="rect">
+              <a:avLst/>
+            </a:prstGeom>
+            <a:noFill/>
+            <a:ln>
+              <a:noFill/>
+            </a:ln>
+          </p:spPr>
+          <p:txBody>
+            <a:bodyPr anchorCtr="0" anchor="t" bIns="91425" lIns="91425" spcFirstLastPara="1" rIns="91425" wrap="square" tIns="91425">
+              <a:noAutofit/>
+            </a:bodyPr>
+            <a:lstStyle/>
+            <a:p>
+              <a:pPr indent="0" lvl="0" marL="0" rtl="0" algn="ctr">
+                <a:spcBef>
+                  <a:spcPts val="0"/>
+                </a:spcBef>
+                <a:spcAft>
+                  <a:spcPts val="0"/>
+                </a:spcAft>
+                <a:buNone/>
+              </a:pPr>
+              <a:r>
+                <a:rPr b="1" lang="pl" sz="1600">
+                  <a:solidFill>
+                    <a:srgbClr val="FFFFFF"/>
+                  </a:solidFill>
+                  <a:latin typeface="Roboto"/>
+                  <a:ea typeface="Roboto"/>
+                  <a:cs typeface="Roboto"/>
+                  <a:sym typeface="Roboto"/>
+                </a:rPr>
+                <a:t>01</a:t>
+              </a:r>
+              <a:endParaRPr b="1" sz="1600">
+                <a:solidFill>
+                  <a:srgbClr val="FFFFFF"/>
+                </a:solidFill>
+                <a:latin typeface="Roboto"/>
+                <a:ea typeface="Roboto"/>
+                <a:cs typeface="Roboto"/>
+                <a:sym typeface="Roboto"/>
+              </a:endParaRPr>
+            </a:p>
+          </p:txBody>
+        </p:sp>
+        <p:sp>
+          <p:nvSpPr>
+            <p:cNvPr id="209" name="Google Shape;209;p27"/>
+            <p:cNvSpPr txBox="1"/>
+            <p:nvPr/>
+          </p:nvSpPr>
+          <p:spPr>
+            <a:xfrm>
+              <a:off x="3685317" y="3247321"/>
+              <a:ext cx="507900" cy="266100"/>
+            </a:xfrm>
+            <a:prstGeom prst="rect">
+              <a:avLst/>
+            </a:prstGeom>
+            <a:noFill/>
+            <a:ln>
+              <a:noFill/>
+            </a:ln>
+          </p:spPr>
+          <p:txBody>
+            <a:bodyPr anchorCtr="0" anchor="t" bIns="91425" lIns="91425" spcFirstLastPara="1" rIns="91425" wrap="square" tIns="91425">
+              <a:noAutofit/>
+            </a:bodyPr>
+            <a:lstStyle/>
+            <a:p>
+              <a:pPr indent="0" lvl="0" marL="0" rtl="0" algn="ctr">
+                <a:spcBef>
+                  <a:spcPts val="0"/>
+                </a:spcBef>
+                <a:spcAft>
+                  <a:spcPts val="0"/>
+                </a:spcAft>
+                <a:buNone/>
+              </a:pPr>
+              <a:r>
+                <a:rPr b="1" lang="pl" sz="1600">
+                  <a:solidFill>
+                    <a:srgbClr val="FFFFFF"/>
+                  </a:solidFill>
+                  <a:latin typeface="Roboto"/>
+                  <a:ea typeface="Roboto"/>
+                  <a:cs typeface="Roboto"/>
+                  <a:sym typeface="Roboto"/>
+                </a:rPr>
+                <a:t>02</a:t>
+              </a:r>
+              <a:endParaRPr b="1" sz="1600">
+                <a:solidFill>
+                  <a:srgbClr val="FFFFFF"/>
+                </a:solidFill>
+                <a:latin typeface="Roboto"/>
+                <a:ea typeface="Roboto"/>
+                <a:cs typeface="Roboto"/>
+                <a:sym typeface="Roboto"/>
+              </a:endParaRPr>
+            </a:p>
+          </p:txBody>
+        </p:sp>
+        <p:sp>
+          <p:nvSpPr>
+            <p:cNvPr id="210" name="Google Shape;210;p27"/>
+            <p:cNvSpPr txBox="1"/>
+            <p:nvPr/>
+          </p:nvSpPr>
+          <p:spPr>
+            <a:xfrm>
+              <a:off x="4955323" y="3247321"/>
+              <a:ext cx="507900" cy="266100"/>
+            </a:xfrm>
+            <a:prstGeom prst="rect">
+              <a:avLst/>
+            </a:prstGeom>
+            <a:noFill/>
+            <a:ln>
+              <a:noFill/>
+            </a:ln>
+          </p:spPr>
+          <p:txBody>
+            <a:bodyPr anchorCtr="0" anchor="t" bIns="91425" lIns="91425" spcFirstLastPara="1" rIns="91425" wrap="square" tIns="91425">
+              <a:noAutofit/>
+            </a:bodyPr>
+            <a:lstStyle/>
+            <a:p>
+              <a:pPr indent="0" lvl="0" marL="0" rtl="0" algn="ctr">
+                <a:spcBef>
+                  <a:spcPts val="0"/>
+                </a:spcBef>
+                <a:spcAft>
+                  <a:spcPts val="0"/>
+                </a:spcAft>
+                <a:buNone/>
+              </a:pPr>
+              <a:r>
+                <a:rPr b="1" lang="pl" sz="1600">
+                  <a:solidFill>
+                    <a:srgbClr val="FFFFFF"/>
+                  </a:solidFill>
+                  <a:latin typeface="Roboto"/>
+                  <a:ea typeface="Roboto"/>
+                  <a:cs typeface="Roboto"/>
+                  <a:sym typeface="Roboto"/>
+                </a:rPr>
+                <a:t>03</a:t>
+              </a:r>
+              <a:endParaRPr b="1" sz="1600">
+                <a:solidFill>
+                  <a:srgbClr val="FFFFFF"/>
+                </a:solidFill>
+                <a:latin typeface="Roboto"/>
+                <a:ea typeface="Roboto"/>
+                <a:cs typeface="Roboto"/>
+                <a:sym typeface="Roboto"/>
+              </a:endParaRPr>
+            </a:p>
+          </p:txBody>
+        </p:sp>
+        <p:sp>
+          <p:nvSpPr>
+            <p:cNvPr id="211" name="Google Shape;211;p27"/>
+            <p:cNvSpPr txBox="1"/>
+            <p:nvPr/>
+          </p:nvSpPr>
+          <p:spPr>
+            <a:xfrm>
+              <a:off x="5364737" y="2018364"/>
+              <a:ext cx="507900" cy="266100"/>
+            </a:xfrm>
+            <a:prstGeom prst="rect">
+              <a:avLst/>
+            </a:prstGeom>
+            <a:noFill/>
+            <a:ln>
+              <a:noFill/>
+            </a:ln>
+          </p:spPr>
+          <p:txBody>
+            <a:bodyPr anchorCtr="0" anchor="t" bIns="91425" lIns="91425" spcFirstLastPara="1" rIns="91425" wrap="square" tIns="91425">
+              <a:noAutofit/>
+            </a:bodyPr>
+            <a:lstStyle/>
+            <a:p>
+              <a:pPr indent="0" lvl="0" marL="0" rtl="0" algn="ctr">
+                <a:spcBef>
+                  <a:spcPts val="0"/>
+                </a:spcBef>
+                <a:spcAft>
+                  <a:spcPts val="0"/>
+                </a:spcAft>
+                <a:buNone/>
+              </a:pPr>
+              <a:r>
+                <a:rPr b="1" lang="pl" sz="1600">
+                  <a:solidFill>
+                    <a:srgbClr val="FFFFFF"/>
+                  </a:solidFill>
+                  <a:latin typeface="Roboto"/>
+                  <a:ea typeface="Roboto"/>
+                  <a:cs typeface="Roboto"/>
+                  <a:sym typeface="Roboto"/>
+                </a:rPr>
+                <a:t>04</a:t>
+              </a:r>
+              <a:endParaRPr b="1" sz="1600">
+                <a:solidFill>
+                  <a:srgbClr val="FFFFFF"/>
+                </a:solidFill>
+                <a:latin typeface="Roboto"/>
+                <a:ea typeface="Roboto"/>
+                <a:cs typeface="Roboto"/>
+                <a:sym typeface="Roboto"/>
+              </a:endParaRPr>
+            </a:p>
+          </p:txBody>
+        </p:sp>
+      </p:grpSp>
+    </p:spTree>
+  </p:cSld>
+  <p:clrMapOvr>
+    <a:masterClrMapping/>
+  </p:clrMapOvr>
+</p:sld>
+</file>
+
+<file path=ppt/slides/slide16.xml><?xml version="1.0" encoding="utf-8"?>
+<p:sld xmlns:a="http://schemas.openxmlformats.org/drawingml/2006/main" xmlns:r="http://schemas.openxmlformats.org/officeDocument/2006/relationships" xmlns:mc="http://schemas.openxmlformats.org/markup-compatibility/2006" xmlns:mv="urn:schemas-microsoft-com:mac:vml" xmlns:p="http://schemas.openxmlformats.org/presentationml/2006/main" xmlns:c="http://schemas.openxmlformats.org/drawingml/2006/chart" xmlns:dgm="http://schemas.openxmlformats.org/drawingml/2006/diagram" xmlns:o="urn:schemas-microsoft-com:office:office" xmlns:v="urn:schemas-microsoft-com:vml" xmlns:pvml="urn:schemas-microsoft-com:office:powerpoint" xmlns:com="http://schemas.openxmlformats.org/drawingml/2006/compatibility" xmlns:p14="http://schemas.microsoft.com/office/powerpoint/2010/main" xmlns:p15="http://schemas.microsoft.com/office/powerpoint/2012/main" xmlns:ahyp="http://schemas.microsoft.com/office/drawing/2018/hyperlinkcolor">
+  <p:cSld>
+    <p:spTree>
+      <p:nvGrpSpPr>
+        <p:cNvPr id="215" name="Shape 215"/>
+        <p:cNvGrpSpPr/>
+        <p:nvPr/>
+      </p:nvGrpSpPr>
+      <p:grpSpPr>
+        <a:xfrm>
+          <a:off x="0" y="0"/>
+          <a:ext cx="0" cy="0"/>
+          <a:chOff x="0" y="0"/>
+          <a:chExt cx="0" cy="0"/>
+        </a:xfrm>
+      </p:grpSpPr>
+      <p:sp>
+        <p:nvSpPr>
+          <p:cNvPr id="216" name="Google Shape;216;p28"/>
+          <p:cNvSpPr txBox="1"/>
+          <p:nvPr>
+            <p:ph type="title"/>
+          </p:nvPr>
+        </p:nvSpPr>
+        <p:spPr>
+          <a:xfrm>
+            <a:off x="360000" y="1851750"/>
             <a:ext cx="2880000" cy="1440000"/>
           </a:xfrm>
           <a:prstGeom prst="rect">
@@ -9658,12 +11464,12 @@
           </a:prstGeom>
         </p:spPr>
         <p:txBody>
-          <a:bodyPr anchorCtr="0" anchor="t" bIns="91425" lIns="91425" spcFirstLastPara="1" rIns="91425" wrap="square" tIns="91425">
+          <a:bodyPr anchorCtr="0" anchor="ctr" bIns="91425" lIns="91425" spcFirstLastPara="1" rIns="91425" wrap="square" tIns="91425">
             <a:normAutofit/>
           </a:bodyPr>
           <a:lstStyle/>
           <a:p>
-            <a:pPr indent="0" lvl="0" marL="0" rtl="0" algn="l">
+            <a:pPr indent="0" lvl="0" marL="0" rtl="0" algn="ctr">
               <a:spcBef>
                 <a:spcPts val="0"/>
               </a:spcBef>
@@ -9673,10 +11479,10 @@
               <a:buNone/>
             </a:pPr>
             <a:r>
-              <a:rPr lang="pl"/>
-              <a:t>Summary??</a:t>
+              <a:rPr lang="pl" sz="2600"/>
+              <a:t>Thank you for your attention!</a:t>
             </a:r>
-            <a:endParaRPr>
+            <a:endParaRPr sz="2600">
               <a:solidFill>
                 <a:srgbClr val="F3F3F3"/>
               </a:solidFill>
@@ -9684,158 +11490,34 @@
           </a:p>
         </p:txBody>
       </p:sp>
-      <p:sp>
-        <p:nvSpPr>
-          <p:cNvPr id="174" name="Google Shape;174;p28"/>
-          <p:cNvSpPr txBox="1"/>
-          <p:nvPr>
-            <p:ph idx="1" type="body"/>
-          </p:nvPr>
-        </p:nvSpPr>
+      <p:pic>
+        <p:nvPicPr>
+          <p:cNvPr id="217" name="Google Shape;217;p28"/>
+          <p:cNvPicPr preferRelativeResize="0"/>
+          <p:nvPr/>
+        </p:nvPicPr>
+        <p:blipFill>
+          <a:blip r:embed="rId3">
+            <a:alphaModFix/>
+          </a:blip>
+          <a:stretch>
+            <a:fillRect/>
+          </a:stretch>
+        </p:blipFill>
         <p:spPr>
           <a:xfrm>
-            <a:off x="360000" y="2390650"/>
-            <a:ext cx="2880000" cy="2160000"/>
+            <a:off x="5379800" y="1529175"/>
+            <a:ext cx="2313900" cy="2085150"/>
           </a:xfrm>
           <a:prstGeom prst="rect">
             <a:avLst/>
           </a:prstGeom>
+          <a:noFill/>
+          <a:ln>
+            <a:noFill/>
+          </a:ln>
         </p:spPr>
-        <p:txBody>
-          <a:bodyPr anchorCtr="0" anchor="t" bIns="91425" lIns="91425" spcFirstLastPara="1" rIns="91425" wrap="square" tIns="91425">
-            <a:normAutofit/>
-          </a:bodyPr>
-          <a:lstStyle/>
-          <a:p>
-            <a:pPr indent="0" lvl="0" marL="0" rtl="0" algn="just">
-              <a:spcBef>
-                <a:spcPts val="0"/>
-              </a:spcBef>
-              <a:spcAft>
-                <a:spcPts val="0"/>
-              </a:spcAft>
-              <a:buNone/>
-            </a:pPr>
-            <a:r>
-              <a:rPr lang="pl">
-                <a:solidFill>
-                  <a:srgbClr val="F3F3F3"/>
-                </a:solidFill>
-              </a:rPr>
-              <a:t>The goal of the analysis:</a:t>
-            </a:r>
-            <a:endParaRPr>
-              <a:solidFill>
-                <a:srgbClr val="F3F3F3"/>
-              </a:solidFill>
-            </a:endParaRPr>
-          </a:p>
-          <a:p>
-            <a:pPr indent="-159851" lvl="0" marL="360000" rtl="0" algn="just">
-              <a:spcBef>
-                <a:spcPts val="1200"/>
-              </a:spcBef>
-              <a:spcAft>
-                <a:spcPts val="0"/>
-              </a:spcAft>
-              <a:buClr>
-                <a:srgbClr val="F3F3F3"/>
-              </a:buClr>
-              <a:buSzPts val="1100"/>
-              <a:buChar char="●"/>
-            </a:pPr>
-            <a:r>
-              <a:rPr lang="pl">
-                <a:solidFill>
-                  <a:srgbClr val="F3F3F3"/>
-                </a:solidFill>
-              </a:rPr>
-              <a:t>understand how casual riders and annual members use Cyclistic bikes differently</a:t>
-            </a:r>
-            <a:endParaRPr>
-              <a:solidFill>
-                <a:srgbClr val="F3F3F3"/>
-              </a:solidFill>
-            </a:endParaRPr>
-          </a:p>
-          <a:p>
-            <a:pPr indent="-159851" lvl="0" marL="360000" rtl="0" algn="just">
-              <a:spcBef>
-                <a:spcPts val="0"/>
-              </a:spcBef>
-              <a:spcAft>
-                <a:spcPts val="0"/>
-              </a:spcAft>
-              <a:buClr>
-                <a:srgbClr val="F3F3F3"/>
-              </a:buClr>
-              <a:buSzPts val="1100"/>
-              <a:buChar char="●"/>
-            </a:pPr>
-            <a:r>
-              <a:rPr lang="pl">
-                <a:solidFill>
-                  <a:srgbClr val="F3F3F3"/>
-                </a:solidFill>
-              </a:rPr>
-              <a:t>design a new marketing strategy to convert casual riders into annual members</a:t>
-            </a:r>
-            <a:endParaRPr>
-              <a:solidFill>
-                <a:srgbClr val="F3F3F3"/>
-              </a:solidFill>
-            </a:endParaRPr>
-          </a:p>
-        </p:txBody>
-      </p:sp>
-      <p:sp>
-        <p:nvSpPr>
-          <p:cNvPr id="175" name="Google Shape;175;p28"/>
-          <p:cNvSpPr txBox="1"/>
-          <p:nvPr>
-            <p:ph idx="1" type="body"/>
-          </p:nvPr>
-        </p:nvSpPr>
-        <p:spPr>
-          <a:xfrm>
-            <a:off x="4973000" y="1422750"/>
-            <a:ext cx="3127500" cy="2298000"/>
-          </a:xfrm>
-          <a:prstGeom prst="rect">
-            <a:avLst/>
-          </a:prstGeom>
-        </p:spPr>
-        <p:txBody>
-          <a:bodyPr anchorCtr="0" anchor="ctr" bIns="91425" lIns="91425" spcFirstLastPara="1" rIns="91425" wrap="square" tIns="91425">
-            <a:noAutofit/>
-          </a:bodyPr>
-          <a:lstStyle/>
-          <a:p>
-            <a:pPr indent="0" lvl="0" marL="0" rtl="0" algn="ctr">
-              <a:spcBef>
-                <a:spcPts val="0"/>
-              </a:spcBef>
-              <a:spcAft>
-                <a:spcPts val="1200"/>
-              </a:spcAft>
-              <a:buNone/>
-            </a:pPr>
-            <a:r>
-              <a:rPr lang="pl" sz="14000">
-                <a:solidFill>
-                  <a:srgbClr val="3F94A4"/>
-                </a:solidFill>
-              </a:rPr>
-              <a:t>...</a:t>
-            </a:r>
-            <a:endParaRPr sz="14000">
-              <a:solidFill>
-                <a:srgbClr val="3F94A4"/>
-              </a:solidFill>
-            </a:endParaRPr>
-          </a:p>
-        </p:txBody>
-      </p:sp>
+      </p:pic>
     </p:spTree>
   </p:cSld>
   <p:clrMapOvr>
@@ -9847,6 +11529,13 @@
 <file path=ppt/slides/slide2.xml><?xml version="1.0" encoding="utf-8"?>
 <p:sld xmlns:a="http://schemas.openxmlformats.org/drawingml/2006/main" xmlns:r="http://schemas.openxmlformats.org/officeDocument/2006/relationships" xmlns:mc="http://schemas.openxmlformats.org/markup-compatibility/2006" xmlns:mv="urn:schemas-microsoft-com:mac:vml" xmlns:p="http://schemas.openxmlformats.org/presentationml/2006/main" xmlns:c="http://schemas.openxmlformats.org/drawingml/2006/chart" xmlns:dgm="http://schemas.openxmlformats.org/drawingml/2006/diagram" xmlns:o="urn:schemas-microsoft-com:office:office" xmlns:v="urn:schemas-microsoft-com:vml" xmlns:pvml="urn:schemas-microsoft-com:office:powerpoint" xmlns:com="http://schemas.openxmlformats.org/drawingml/2006/compatibility" xmlns:p14="http://schemas.microsoft.com/office/powerpoint/2010/main" xmlns:p15="http://schemas.microsoft.com/office/powerpoint/2012/main" xmlns:ahyp="http://schemas.microsoft.com/office/drawing/2018/hyperlinkcolor">
   <p:cSld>
+    <p:bg>
+      <p:bgPr>
+        <a:solidFill>
+          <a:schemeClr val="lt1"/>
+        </a:solidFill>
+      </p:bgPr>
+    </p:bg>
     <p:spTree>
       <p:nvGrpSpPr>
         <p:cNvPr id="69" name="Shape 69"/>
@@ -9894,29 +11583,10 @@
               <a:buNone/>
             </a:pPr>
             <a:r>
-              <a:rPr lang="pl"/>
-              <a:t>Introduction</a:t>
+              <a:rPr lang="pl" sz="2600"/>
+              <a:t>Background</a:t>
             </a:r>
-            <a:endParaRPr>
-              <a:solidFill>
-                <a:srgbClr val="F3F3F3"/>
-              </a:solidFill>
-            </a:endParaRPr>
-          </a:p>
-          <a:p>
-            <a:pPr indent="0" lvl="0" marL="0" rtl="0" algn="l">
-              <a:spcBef>
-                <a:spcPts val="0"/>
-              </a:spcBef>
-              <a:spcAft>
-                <a:spcPts val="0"/>
-              </a:spcAft>
-              <a:buNone/>
-            </a:pPr>
-            <a:r>
-              <a:t/>
-            </a:r>
-            <a:endParaRPr/>
+            <a:endParaRPr sz="2600"/>
           </a:p>
         </p:txBody>
       </p:sp>
@@ -9944,6 +11614,9 @@
           <a:lstStyle/>
           <a:p>
             <a:pPr indent="0" lvl="0" marL="0" rtl="0" algn="just">
+              <a:lnSpc>
+                <a:spcPct val="115000"/>
+              </a:lnSpc>
               <a:spcBef>
                 <a:spcPts val="0"/>
               </a:spcBef>
@@ -9953,12 +11626,421 @@
               <a:buNone/>
             </a:pPr>
             <a:r>
-              <a:t/>
+              <a:rPr lang="pl"/>
+              <a:t>Cyclistic’s finance analysts have concluded that annual members are much more profitable than casual riders. Maximizing the number of annual members will be key to future growth.</a:t>
             </a:r>
-            <a:endParaRPr sz="1300"/>
+            <a:endParaRPr/>
           </a:p>
         </p:txBody>
       </p:sp>
+      <p:sp>
+        <p:nvSpPr>
+          <p:cNvPr id="72" name="Google Shape;72;p14"/>
+          <p:cNvSpPr/>
+          <p:nvPr/>
+        </p:nvSpPr>
+        <p:spPr>
+          <a:xfrm>
+            <a:off x="1660254" y="1584125"/>
+            <a:ext cx="1152000" cy="360000"/>
+          </a:xfrm>
+          <a:prstGeom prst="rect">
+            <a:avLst/>
+          </a:prstGeom>
+          <a:solidFill>
+            <a:srgbClr val="3F94A4"/>
+          </a:solidFill>
+          <a:ln>
+            <a:noFill/>
+          </a:ln>
+        </p:spPr>
+        <p:txBody>
+          <a:bodyPr anchorCtr="0" anchor="ctr" bIns="91425" lIns="91425" spcFirstLastPara="1" rIns="91425" wrap="square" tIns="91425">
+            <a:noAutofit/>
+          </a:bodyPr>
+          <a:lstStyle/>
+          <a:p>
+            <a:pPr indent="0" lvl="0" marL="0" rtl="0" algn="ctr">
+              <a:spcBef>
+                <a:spcPts val="0"/>
+              </a:spcBef>
+              <a:spcAft>
+                <a:spcPts val="0"/>
+              </a:spcAft>
+              <a:buNone/>
+            </a:pPr>
+            <a:r>
+              <a:rPr lang="pl" sz="1000">
+                <a:solidFill>
+                  <a:srgbClr val="FFFFFF"/>
+                </a:solidFill>
+                <a:latin typeface="Roboto"/>
+                <a:ea typeface="Roboto"/>
+                <a:cs typeface="Roboto"/>
+                <a:sym typeface="Roboto"/>
+              </a:rPr>
+              <a:t>user types</a:t>
+            </a:r>
+            <a:endParaRPr>
+              <a:solidFill>
+                <a:srgbClr val="FFFFFF"/>
+              </a:solidFill>
+            </a:endParaRPr>
+          </a:p>
+        </p:txBody>
+      </p:sp>
+      <p:sp>
+        <p:nvSpPr>
+          <p:cNvPr id="73" name="Google Shape;73;p14"/>
+          <p:cNvSpPr/>
+          <p:nvPr/>
+        </p:nvSpPr>
+        <p:spPr>
+          <a:xfrm>
+            <a:off x="107148" y="2351855"/>
+            <a:ext cx="1152000" cy="360000"/>
+          </a:xfrm>
+          <a:prstGeom prst="rect">
+            <a:avLst/>
+          </a:prstGeom>
+          <a:solidFill>
+            <a:srgbClr val="3F94A4"/>
+          </a:solidFill>
+          <a:ln>
+            <a:noFill/>
+          </a:ln>
+        </p:spPr>
+        <p:txBody>
+          <a:bodyPr anchorCtr="0" anchor="ctr" bIns="91425" lIns="91425" spcFirstLastPara="1" rIns="91425" wrap="square" tIns="91425">
+            <a:noAutofit/>
+          </a:bodyPr>
+          <a:lstStyle/>
+          <a:p>
+            <a:pPr indent="0" lvl="0" marL="0" rtl="0" algn="ctr">
+              <a:spcBef>
+                <a:spcPts val="0"/>
+              </a:spcBef>
+              <a:spcAft>
+                <a:spcPts val="0"/>
+              </a:spcAft>
+              <a:buNone/>
+            </a:pPr>
+            <a:r>
+              <a:rPr lang="pl" sz="1000">
+                <a:solidFill>
+                  <a:srgbClr val="FFFFFF"/>
+                </a:solidFill>
+                <a:latin typeface="Roboto"/>
+                <a:ea typeface="Roboto"/>
+                <a:cs typeface="Roboto"/>
+                <a:sym typeface="Roboto"/>
+              </a:rPr>
+              <a:t>annual members</a:t>
+            </a:r>
+            <a:endParaRPr sz="1000">
+              <a:solidFill>
+                <a:srgbClr val="FFFFFF"/>
+              </a:solidFill>
+              <a:latin typeface="Roboto"/>
+              <a:ea typeface="Roboto"/>
+              <a:cs typeface="Roboto"/>
+              <a:sym typeface="Roboto"/>
+            </a:endParaRPr>
+          </a:p>
+        </p:txBody>
+      </p:sp>
+      <p:sp>
+        <p:nvSpPr>
+          <p:cNvPr id="74" name="Google Shape;74;p14"/>
+          <p:cNvSpPr/>
+          <p:nvPr/>
+        </p:nvSpPr>
+        <p:spPr>
+          <a:xfrm>
+            <a:off x="3213272" y="2351855"/>
+            <a:ext cx="1152000" cy="360000"/>
+          </a:xfrm>
+          <a:prstGeom prst="rect">
+            <a:avLst/>
+          </a:prstGeom>
+          <a:solidFill>
+            <a:srgbClr val="3F94A4"/>
+          </a:solidFill>
+          <a:ln>
+            <a:noFill/>
+          </a:ln>
+        </p:spPr>
+        <p:txBody>
+          <a:bodyPr anchorCtr="0" anchor="ctr" bIns="91425" lIns="91425" spcFirstLastPara="1" rIns="91425" wrap="square" tIns="91425">
+            <a:noAutofit/>
+          </a:bodyPr>
+          <a:lstStyle/>
+          <a:p>
+            <a:pPr indent="0" lvl="0" marL="0" rtl="0" algn="ctr">
+              <a:spcBef>
+                <a:spcPts val="0"/>
+              </a:spcBef>
+              <a:spcAft>
+                <a:spcPts val="0"/>
+              </a:spcAft>
+              <a:buNone/>
+            </a:pPr>
+            <a:r>
+              <a:rPr lang="pl" sz="1000">
+                <a:solidFill>
+                  <a:srgbClr val="FFFFFF"/>
+                </a:solidFill>
+                <a:latin typeface="Roboto"/>
+                <a:ea typeface="Roboto"/>
+                <a:cs typeface="Roboto"/>
+                <a:sym typeface="Roboto"/>
+              </a:rPr>
+              <a:t>casual users</a:t>
+            </a:r>
+            <a:endParaRPr>
+              <a:solidFill>
+                <a:srgbClr val="FFFFFF"/>
+              </a:solidFill>
+            </a:endParaRPr>
+          </a:p>
+        </p:txBody>
+      </p:sp>
+      <p:sp>
+        <p:nvSpPr>
+          <p:cNvPr id="75" name="Google Shape;75;p14"/>
+          <p:cNvSpPr/>
+          <p:nvPr/>
+        </p:nvSpPr>
+        <p:spPr>
+          <a:xfrm>
+            <a:off x="3989835" y="3060437"/>
+            <a:ext cx="1152000" cy="432000"/>
+          </a:xfrm>
+          <a:prstGeom prst="rect">
+            <a:avLst/>
+          </a:prstGeom>
+          <a:solidFill>
+            <a:srgbClr val="3F94A4"/>
+          </a:solidFill>
+          <a:ln>
+            <a:noFill/>
+          </a:ln>
+        </p:spPr>
+        <p:txBody>
+          <a:bodyPr anchorCtr="0" anchor="ctr" bIns="91425" lIns="91425" spcFirstLastPara="1" rIns="91425" wrap="square" tIns="91425">
+            <a:noAutofit/>
+          </a:bodyPr>
+          <a:lstStyle/>
+          <a:p>
+            <a:pPr indent="0" lvl="0" marL="0" rtl="0" algn="ctr">
+              <a:spcBef>
+                <a:spcPts val="0"/>
+              </a:spcBef>
+              <a:spcAft>
+                <a:spcPts val="0"/>
+              </a:spcAft>
+              <a:buNone/>
+            </a:pPr>
+            <a:r>
+              <a:rPr lang="pl" sz="1000">
+                <a:solidFill>
+                  <a:srgbClr val="FFFFFF"/>
+                </a:solidFill>
+                <a:latin typeface="Roboto"/>
+                <a:ea typeface="Roboto"/>
+                <a:cs typeface="Roboto"/>
+                <a:sym typeface="Roboto"/>
+              </a:rPr>
+              <a:t>full-day pass users</a:t>
+            </a:r>
+            <a:endParaRPr>
+              <a:solidFill>
+                <a:srgbClr val="FFFFFF"/>
+              </a:solidFill>
+            </a:endParaRPr>
+          </a:p>
+        </p:txBody>
+      </p:sp>
+      <p:sp>
+        <p:nvSpPr>
+          <p:cNvPr id="76" name="Google Shape;76;p14"/>
+          <p:cNvSpPr/>
+          <p:nvPr/>
+        </p:nvSpPr>
+        <p:spPr>
+          <a:xfrm>
+            <a:off x="2436778" y="3060437"/>
+            <a:ext cx="1152000" cy="432000"/>
+          </a:xfrm>
+          <a:prstGeom prst="rect">
+            <a:avLst/>
+          </a:prstGeom>
+          <a:solidFill>
+            <a:srgbClr val="3F94A4"/>
+          </a:solidFill>
+          <a:ln>
+            <a:noFill/>
+          </a:ln>
+        </p:spPr>
+        <p:txBody>
+          <a:bodyPr anchorCtr="0" anchor="ctr" bIns="91425" lIns="91425" spcFirstLastPara="1" rIns="91425" wrap="square" tIns="91425">
+            <a:noAutofit/>
+          </a:bodyPr>
+          <a:lstStyle/>
+          <a:p>
+            <a:pPr indent="0" lvl="0" marL="0" rtl="0" algn="ctr">
+              <a:spcBef>
+                <a:spcPts val="0"/>
+              </a:spcBef>
+              <a:spcAft>
+                <a:spcPts val="0"/>
+              </a:spcAft>
+              <a:buNone/>
+            </a:pPr>
+            <a:r>
+              <a:rPr lang="pl" sz="1000">
+                <a:solidFill>
+                  <a:srgbClr val="FFFFFF"/>
+                </a:solidFill>
+                <a:latin typeface="Roboto"/>
+                <a:ea typeface="Roboto"/>
+                <a:cs typeface="Roboto"/>
+                <a:sym typeface="Roboto"/>
+              </a:rPr>
+              <a:t>single-day pass users</a:t>
+            </a:r>
+            <a:endParaRPr>
+              <a:solidFill>
+                <a:srgbClr val="FFFFFF"/>
+              </a:solidFill>
+            </a:endParaRPr>
+          </a:p>
+        </p:txBody>
+      </p:sp>
+      <p:cxnSp>
+        <p:nvCxnSpPr>
+          <p:cNvPr id="77" name="Google Shape;77;p14"/>
+          <p:cNvCxnSpPr>
+            <a:stCxn id="72" idx="2"/>
+            <a:endCxn id="74" idx="0"/>
+          </p:cNvCxnSpPr>
+          <p:nvPr/>
+        </p:nvCxnSpPr>
+        <p:spPr>
+          <a:xfrm flipH="1" rot="-5400000">
+            <a:off x="2808954" y="1371425"/>
+            <a:ext cx="407700" cy="1553100"/>
+          </a:xfrm>
+          <a:prstGeom prst="bentConnector3">
+            <a:avLst>
+              <a:gd fmla="val 50004" name="adj1"/>
+            </a:avLst>
+          </a:prstGeom>
+          <a:noFill/>
+          <a:ln cap="flat" cmpd="sng" w="9525">
+            <a:solidFill>
+              <a:srgbClr val="C2C2C2"/>
+            </a:solidFill>
+            <a:prstDash val="solid"/>
+            <a:round/>
+            <a:headEnd len="sm" w="sm" type="none"/>
+            <a:tailEnd len="sm" w="sm" type="none"/>
+          </a:ln>
+        </p:spPr>
+      </p:cxnSp>
+      <p:cxnSp>
+        <p:nvCxnSpPr>
+          <p:cNvPr id="78" name="Google Shape;78;p14"/>
+          <p:cNvCxnSpPr>
+            <a:stCxn id="73" idx="0"/>
+            <a:endCxn id="72" idx="2"/>
+          </p:cNvCxnSpPr>
+          <p:nvPr/>
+        </p:nvCxnSpPr>
+        <p:spPr>
+          <a:xfrm rot="-5400000">
+            <a:off x="1255848" y="1371455"/>
+            <a:ext cx="407700" cy="1553100"/>
+          </a:xfrm>
+          <a:prstGeom prst="bentConnector3">
+            <a:avLst>
+              <a:gd fmla="val 50004" name="adj1"/>
+            </a:avLst>
+          </a:prstGeom>
+          <a:noFill/>
+          <a:ln cap="flat" cmpd="sng" w="9525">
+            <a:solidFill>
+              <a:srgbClr val="C2C2C2"/>
+            </a:solidFill>
+            <a:prstDash val="solid"/>
+            <a:round/>
+            <a:headEnd len="sm" w="sm" type="none"/>
+            <a:tailEnd len="sm" w="sm" type="none"/>
+          </a:ln>
+        </p:spPr>
+      </p:cxnSp>
+      <p:cxnSp>
+        <p:nvCxnSpPr>
+          <p:cNvPr id="79" name="Google Shape;79;p14"/>
+          <p:cNvCxnSpPr>
+            <a:stCxn id="74" idx="2"/>
+            <a:endCxn id="75" idx="0"/>
+          </p:cNvCxnSpPr>
+          <p:nvPr/>
+        </p:nvCxnSpPr>
+        <p:spPr>
+          <a:xfrm flipH="1" rot="-5400000">
+            <a:off x="4003322" y="2497805"/>
+            <a:ext cx="348600" cy="776700"/>
+          </a:xfrm>
+          <a:prstGeom prst="bentConnector3">
+            <a:avLst>
+              <a:gd fmla="val 49997" name="adj1"/>
+            </a:avLst>
+          </a:prstGeom>
+          <a:noFill/>
+          <a:ln cap="flat" cmpd="sng" w="9525">
+            <a:solidFill>
+              <a:srgbClr val="C2C2C2"/>
+            </a:solidFill>
+            <a:prstDash val="solid"/>
+            <a:round/>
+            <a:headEnd len="sm" w="sm" type="none"/>
+            <a:tailEnd len="sm" w="sm" type="none"/>
+          </a:ln>
+        </p:spPr>
+      </p:cxnSp>
+      <p:cxnSp>
+        <p:nvCxnSpPr>
+          <p:cNvPr id="80" name="Google Shape;80;p14"/>
+          <p:cNvCxnSpPr>
+            <a:stCxn id="76" idx="0"/>
+            <a:endCxn id="74" idx="2"/>
+          </p:cNvCxnSpPr>
+          <p:nvPr/>
+        </p:nvCxnSpPr>
+        <p:spPr>
+          <a:xfrm rot="-5400000">
+            <a:off x="3226678" y="2497937"/>
+            <a:ext cx="348600" cy="776400"/>
+          </a:xfrm>
+          <a:prstGeom prst="bentConnector3">
+            <a:avLst>
+              <a:gd fmla="val 49997" name="adj1"/>
+            </a:avLst>
+          </a:prstGeom>
+          <a:noFill/>
+          <a:ln cap="flat" cmpd="sng" w="9525">
+            <a:solidFill>
+              <a:srgbClr val="C2C2C2"/>
+            </a:solidFill>
+            <a:prstDash val="solid"/>
+            <a:round/>
+            <a:headEnd len="sm" w="sm" type="none"/>
+            <a:tailEnd len="sm" w="sm" type="none"/>
+          </a:ln>
+        </p:spPr>
+      </p:cxnSp>
     </p:spTree>
   </p:cSld>
   <p:clrMapOvr>
@@ -9972,7 +12054,7 @@
   <p:cSld>
     <p:spTree>
       <p:nvGrpSpPr>
-        <p:cNvPr id="75" name="Shape 75"/>
+        <p:cNvPr id="84" name="Shape 84"/>
         <p:cNvGrpSpPr/>
         <p:nvPr/>
       </p:nvGrpSpPr>
@@ -9986,7 +12068,7 @@
       </p:grpSpPr>
       <p:sp>
         <p:nvSpPr>
-          <p:cNvPr id="76" name="Google Shape;76;p15"/>
+          <p:cNvPr id="85" name="Google Shape;85;p15"/>
           <p:cNvSpPr txBox="1"/>
           <p:nvPr>
             <p:ph type="title"/>
@@ -10017,10 +12099,10 @@
               <a:buNone/>
             </a:pPr>
             <a:r>
-              <a:rPr lang="pl"/>
+              <a:rPr lang="pl" sz="2600"/>
               <a:t>Motivation</a:t>
             </a:r>
-            <a:endParaRPr>
+            <a:endParaRPr sz="2600">
               <a:solidFill>
                 <a:srgbClr val="F3F3F3"/>
               </a:solidFill>
@@ -10030,7 +12112,7 @@
       </p:sp>
       <p:sp>
         <p:nvSpPr>
-          <p:cNvPr id="77" name="Google Shape;77;p15"/>
+          <p:cNvPr id="86" name="Google Shape;86;p15"/>
           <p:cNvSpPr txBox="1"/>
           <p:nvPr>
             <p:ph idx="1" type="body"/>
@@ -10061,21 +12143,21 @@
               <a:buNone/>
             </a:pPr>
             <a:r>
-              <a:rPr lang="pl" sz="1300">
+              <a:rPr lang="pl">
                 <a:solidFill>
                   <a:srgbClr val="F3F3F3"/>
                 </a:solidFill>
               </a:rPr>
               <a:t>The goal of the analysis:</a:t>
             </a:r>
-            <a:endParaRPr sz="1300">
+            <a:endParaRPr>
               <a:solidFill>
                 <a:srgbClr val="F3F3F3"/>
               </a:solidFill>
             </a:endParaRPr>
           </a:p>
           <a:p>
-            <a:pPr indent="-172551" lvl="0" marL="360000" rtl="0" algn="just">
+            <a:pPr indent="-159851" lvl="0" marL="360000" rtl="0" algn="just">
               <a:spcBef>
                 <a:spcPts val="1200"/>
               </a:spcBef>
@@ -10085,11 +12167,11 @@
               <a:buClr>
                 <a:srgbClr val="F3F3F3"/>
               </a:buClr>
-              <a:buSzPts val="1300"/>
+              <a:buSzPts val="1100"/>
               <a:buChar char="●"/>
             </a:pPr>
             <a:r>
-              <a:rPr lang="pl" sz="1300">
+              <a:rPr lang="pl">
                 <a:solidFill>
                   <a:srgbClr val="F3F3F3"/>
                 </a:solidFill>
@@ -10097,17 +12179,17 @@
               <a:t>understand how casual riders and annual members use Cyclistic bikes differently </a:t>
             </a:r>
             <a:r>
-              <a:rPr lang="pl" sz="1300"/>
+              <a:rPr lang="pl"/>
               <a:t>in one year period</a:t>
             </a:r>
-            <a:endParaRPr sz="1300">
+            <a:endParaRPr>
               <a:solidFill>
                 <a:srgbClr val="F3F3F3"/>
               </a:solidFill>
             </a:endParaRPr>
           </a:p>
           <a:p>
-            <a:pPr indent="-172551" lvl="0" marL="360000" rtl="0" algn="just">
+            <a:pPr indent="-159851" lvl="0" marL="360000" rtl="0" algn="just">
               <a:spcBef>
                 <a:spcPts val="0"/>
               </a:spcBef>
@@ -10117,18 +12199,18 @@
               <a:buClr>
                 <a:srgbClr val="F3F3F3"/>
               </a:buClr>
-              <a:buSzPts val="1300"/>
+              <a:buSzPts val="1100"/>
               <a:buChar char="●"/>
             </a:pPr>
             <a:r>
-              <a:rPr lang="pl" sz="1300">
+              <a:rPr lang="pl">
                 <a:solidFill>
                   <a:srgbClr val="F3F3F3"/>
                 </a:solidFill>
               </a:rPr>
               <a:t>design a new marketing strategy to convert casual riders into annual members</a:t>
             </a:r>
-            <a:endParaRPr sz="1300">
+            <a:endParaRPr>
               <a:solidFill>
                 <a:srgbClr val="F3F3F3"/>
               </a:solidFill>
@@ -10138,7 +12220,7 @@
       </p:sp>
       <p:sp>
         <p:nvSpPr>
-          <p:cNvPr id="78" name="Google Shape;78;p15"/>
+          <p:cNvPr id="87" name="Google Shape;87;p15"/>
           <p:cNvSpPr txBox="1"/>
           <p:nvPr>
             <p:ph idx="1" type="body"/>
@@ -10146,7 +12228,7 @@
         </p:nvSpPr>
         <p:spPr>
           <a:xfrm>
-            <a:off x="4973000" y="1422750"/>
+            <a:off x="4842650" y="1422750"/>
             <a:ext cx="3127500" cy="2298000"/>
           </a:xfrm>
           <a:prstGeom prst="rect">
@@ -10169,14 +12251,14 @@
               <a:buNone/>
             </a:pPr>
             <a:r>
-              <a:rPr lang="pl" sz="14000">
+              <a:rPr lang="pl" sz="18000">
                 <a:solidFill>
                   <a:srgbClr val="3F94A4"/>
                 </a:solidFill>
               </a:rPr>
-              <a:t>...</a:t>
+              <a:t>?</a:t>
             </a:r>
-            <a:endParaRPr sz="14000">
+            <a:endParaRPr sz="18000">
               <a:solidFill>
                 <a:srgbClr val="3F94A4"/>
               </a:solidFill>
@@ -10197,7 +12279,7 @@
   <p:cSld>
     <p:spTree>
       <p:nvGrpSpPr>
-        <p:cNvPr id="82" name="Shape 82"/>
+        <p:cNvPr id="91" name="Shape 91"/>
         <p:cNvGrpSpPr/>
         <p:nvPr/>
       </p:nvGrpSpPr>
@@ -10211,7 +12293,7 @@
       </p:grpSpPr>
       <p:sp>
         <p:nvSpPr>
-          <p:cNvPr id="83" name="Google Shape;83;p16"/>
+          <p:cNvPr id="92" name="Google Shape;92;p16"/>
           <p:cNvSpPr txBox="1"/>
           <p:nvPr>
             <p:ph type="title"/>
@@ -10242,14 +12324,14 @@
               <a:buNone/>
             </a:pPr>
             <a:r>
-              <a:rPr lang="pl">
+              <a:rPr lang="pl" sz="2600">
                 <a:solidFill>
                   <a:srgbClr val="F3F3F3"/>
                 </a:solidFill>
               </a:rPr>
               <a:t>User types</a:t>
             </a:r>
-            <a:endParaRPr>
+            <a:endParaRPr sz="2600">
               <a:solidFill>
                 <a:srgbClr val="F3F3F3"/>
               </a:solidFill>
@@ -10268,13 +12350,13 @@
             <a:r>
               <a:t/>
             </a:r>
-            <a:endParaRPr/>
+            <a:endParaRPr sz="2600"/>
           </a:p>
         </p:txBody>
       </p:sp>
       <p:sp>
         <p:nvSpPr>
-          <p:cNvPr id="84" name="Google Shape;84;p16"/>
+          <p:cNvPr id="93" name="Google Shape;93;p16"/>
           <p:cNvSpPr txBox="1"/>
           <p:nvPr>
             <p:ph idx="1" type="subTitle"/>
@@ -10296,6 +12378,9 @@
           <a:lstStyle/>
           <a:p>
             <a:pPr indent="0" lvl="0" marL="0" rtl="0" algn="just">
+              <a:lnSpc>
+                <a:spcPct val="115000"/>
+              </a:lnSpc>
               <a:spcBef>
                 <a:spcPts val="0"/>
               </a:spcBef>
@@ -10305,16 +12390,32 @@
               <a:buNone/>
             </a:pPr>
             <a:r>
-              <a:rPr lang="pl" sz="1300"/>
-              <a:t>Almost 60% of rides in the reviewed period were carried out by regular members. There is still huge potential to gain more members out of casual riders.</a:t>
+              <a:rPr lang="pl"/>
+              <a:t>Almost 60% of rides in the reviewed period wer</a:t>
             </a:r>
-            <a:endParaRPr sz="1300"/>
+            <a:r>
+              <a:rPr lang="pl"/>
+              <a:t>e</a:t>
+            </a:r>
+            <a:r>
+              <a:rPr lang="pl"/>
+              <a:t> carried out by regular members. There is still </a:t>
+            </a:r>
+            <a:r>
+              <a:rPr lang="pl" u="sng"/>
+              <a:t>huge potential</a:t>
+            </a:r>
+            <a:r>
+              <a:rPr lang="pl"/>
+              <a:t> to gain more members out of casual riders.</a:t>
+            </a:r>
+            <a:endParaRPr/>
           </a:p>
         </p:txBody>
       </p:sp>
       <p:pic>
         <p:nvPicPr>
-          <p:cNvPr id="85" name="Google Shape;85;p16"/>
+          <p:cNvPr id="94" name="Google Shape;94;p16"/>
           <p:cNvPicPr preferRelativeResize="0"/>
           <p:nvPr/>
         </p:nvPicPr>
@@ -10353,7 +12454,7 @@
   <p:cSld>
     <p:spTree>
       <p:nvGrpSpPr>
-        <p:cNvPr id="89" name="Shape 89"/>
+        <p:cNvPr id="98" name="Shape 98"/>
         <p:cNvGrpSpPr/>
         <p:nvPr/>
       </p:nvGrpSpPr>
@@ -10367,7 +12468,7 @@
       </p:grpSpPr>
       <p:sp>
         <p:nvSpPr>
-          <p:cNvPr id="90" name="Google Shape;90;p17"/>
+          <p:cNvPr id="99" name="Google Shape;99;p17"/>
           <p:cNvSpPr txBox="1"/>
           <p:nvPr>
             <p:ph type="title"/>
@@ -10384,7 +12485,7 @@
         </p:spPr>
         <p:txBody>
           <a:bodyPr anchorCtr="0" anchor="t" bIns="91425" lIns="91425" spcFirstLastPara="1" rIns="91425" wrap="square" tIns="91425">
-            <a:normAutofit/>
+            <a:noAutofit/>
           </a:bodyPr>
           <a:lstStyle/>
           <a:p>
@@ -10398,16 +12499,16 @@
               <a:buNone/>
             </a:pPr>
             <a:r>
-              <a:rPr lang="pl"/>
+              <a:rPr lang="pl" sz="2600"/>
               <a:t>Bike types used</a:t>
             </a:r>
-            <a:endParaRPr/>
+            <a:endParaRPr sz="2600"/>
           </a:p>
         </p:txBody>
       </p:sp>
       <p:sp>
         <p:nvSpPr>
-          <p:cNvPr id="91" name="Google Shape;91;p17"/>
+          <p:cNvPr id="100" name="Google Shape;100;p17"/>
           <p:cNvSpPr txBox="1"/>
           <p:nvPr>
             <p:ph idx="1" type="body"/>
@@ -10438,28 +12539,71 @@
               <a:buNone/>
             </a:pPr>
             <a:r>
-              <a:rPr lang="pl" sz="1300"/>
+              <a:rPr lang="pl">
+                <a:latin typeface="Roboto"/>
+                <a:ea typeface="Roboto"/>
+                <a:cs typeface="Roboto"/>
+                <a:sym typeface="Roboto"/>
+              </a:rPr>
               <a:t>Most popular bike </a:t>
             </a:r>
             <a:r>
-              <a:rPr lang="pl" sz="1300"/>
+              <a:rPr lang="pl">
+                <a:latin typeface="Roboto"/>
+                <a:ea typeface="Roboto"/>
+                <a:cs typeface="Roboto"/>
+                <a:sym typeface="Roboto"/>
+              </a:rPr>
               <a:t>among both types of users </a:t>
             </a:r>
             <a:r>
-              <a:rPr lang="pl" sz="1300"/>
-              <a:t>was the classic bike. </a:t>
+              <a:rPr lang="pl">
+                <a:latin typeface="Roboto"/>
+                <a:ea typeface="Roboto"/>
+                <a:cs typeface="Roboto"/>
+                <a:sym typeface="Roboto"/>
+              </a:rPr>
+              <a:t>was the </a:t>
             </a:r>
             <a:r>
-              <a:rPr lang="pl" sz="1300"/>
+              <a:rPr lang="pl" u="sng">
+                <a:latin typeface="Roboto"/>
+                <a:ea typeface="Roboto"/>
+                <a:cs typeface="Roboto"/>
+                <a:sym typeface="Roboto"/>
+              </a:rPr>
+              <a:t>classic bike</a:t>
+            </a:r>
+            <a:r>
+              <a:rPr lang="pl">
+                <a:latin typeface="Roboto"/>
+                <a:ea typeface="Roboto"/>
+                <a:cs typeface="Roboto"/>
+                <a:sym typeface="Roboto"/>
+              </a:rPr>
+              <a:t>. </a:t>
+            </a:r>
+            <a:r>
+              <a:rPr lang="pl">
+                <a:latin typeface="Roboto"/>
+                <a:ea typeface="Roboto"/>
+                <a:cs typeface="Roboto"/>
+                <a:sym typeface="Roboto"/>
+              </a:rPr>
               <a:t>In fact, docked bikes were only used by casual riders.</a:t>
             </a:r>
-            <a:endParaRPr sz="1300"/>
+            <a:endParaRPr>
+              <a:latin typeface="Roboto"/>
+              <a:ea typeface="Roboto"/>
+              <a:cs typeface="Roboto"/>
+              <a:sym typeface="Roboto"/>
+            </a:endParaRPr>
           </a:p>
         </p:txBody>
       </p:sp>
       <p:pic>
         <p:nvPicPr>
-          <p:cNvPr id="92" name="Google Shape;92;p17"/>
+          <p:cNvPr id="101" name="Google Shape;101;p17"/>
           <p:cNvPicPr preferRelativeResize="0"/>
           <p:nvPr/>
         </p:nvPicPr>
@@ -10487,7 +12631,7 @@
       </p:pic>
       <p:pic>
         <p:nvPicPr>
-          <p:cNvPr id="93" name="Google Shape;93;p17"/>
+          <p:cNvPr id="102" name="Google Shape;102;p17"/>
           <p:cNvPicPr preferRelativeResize="0"/>
           <p:nvPr/>
         </p:nvPicPr>
@@ -10526,7 +12670,7 @@
   <p:cSld>
     <p:spTree>
       <p:nvGrpSpPr>
-        <p:cNvPr id="97" name="Shape 97"/>
+        <p:cNvPr id="106" name="Shape 106"/>
         <p:cNvGrpSpPr/>
         <p:nvPr/>
       </p:nvGrpSpPr>
@@ -10540,7 +12684,7 @@
       </p:grpSpPr>
       <p:sp>
         <p:nvSpPr>
-          <p:cNvPr id="98" name="Google Shape;98;p18"/>
+          <p:cNvPr id="107" name="Google Shape;107;p18"/>
           <p:cNvSpPr txBox="1"/>
           <p:nvPr>
             <p:ph type="title"/>
@@ -10557,7 +12701,7 @@
         </p:spPr>
         <p:txBody>
           <a:bodyPr anchorCtr="0" anchor="t" bIns="91425" lIns="91425" spcFirstLastPara="1" rIns="91425" wrap="square" tIns="91425">
-            <a:normAutofit/>
+            <a:noAutofit/>
           </a:bodyPr>
           <a:lstStyle/>
           <a:p>
@@ -10571,16 +12715,16 @@
               <a:buNone/>
             </a:pPr>
             <a:r>
-              <a:rPr lang="pl"/>
+              <a:rPr lang="pl" sz="2600"/>
               <a:t>Usage in single days</a:t>
             </a:r>
-            <a:endParaRPr/>
+            <a:endParaRPr sz="2600"/>
           </a:p>
         </p:txBody>
       </p:sp>
       <p:sp>
         <p:nvSpPr>
-          <p:cNvPr id="99" name="Google Shape;99;p18"/>
+          <p:cNvPr id="108" name="Google Shape;108;p18"/>
           <p:cNvSpPr txBox="1"/>
           <p:nvPr>
             <p:ph idx="1" type="body"/>
@@ -10611,16 +12755,62 @@
               <a:buNone/>
             </a:pPr>
             <a:r>
-              <a:rPr lang="pl" sz="1300"/>
-              <a:t>Most of the riding took place on Saturday, especially when it came to the classic bikes. There is a pattern showing less bikes usage at the beginning and end of the week.</a:t>
+              <a:rPr lang="pl">
+                <a:latin typeface="Roboto"/>
+                <a:ea typeface="Roboto"/>
+                <a:cs typeface="Roboto"/>
+                <a:sym typeface="Roboto"/>
+              </a:rPr>
+              <a:t>Most of the rides took place on </a:t>
             </a:r>
-            <a:endParaRPr sz="1300"/>
+            <a:r>
+              <a:rPr lang="pl" u="sng">
+                <a:latin typeface="Roboto"/>
+                <a:ea typeface="Roboto"/>
+                <a:cs typeface="Roboto"/>
+                <a:sym typeface="Roboto"/>
+              </a:rPr>
+              <a:t>Saturday</a:t>
+            </a:r>
+            <a:r>
+              <a:rPr lang="pl">
+                <a:latin typeface="Roboto"/>
+                <a:ea typeface="Roboto"/>
+                <a:cs typeface="Roboto"/>
+                <a:sym typeface="Roboto"/>
+              </a:rPr>
+              <a:t>, especially when it came to the classic bikes. There is a pattern showing </a:t>
+            </a:r>
+            <a:r>
+              <a:rPr lang="pl" u="sng">
+                <a:latin typeface="Roboto"/>
+                <a:ea typeface="Roboto"/>
+                <a:cs typeface="Roboto"/>
+                <a:sym typeface="Roboto"/>
+              </a:rPr>
+              <a:t>slightly less bikes usage at the beginning and end of the week</a:t>
+            </a:r>
+            <a:r>
+              <a:rPr lang="pl">
+                <a:latin typeface="Roboto"/>
+                <a:ea typeface="Roboto"/>
+                <a:cs typeface="Roboto"/>
+                <a:sym typeface="Roboto"/>
+              </a:rPr>
+              <a:t>.</a:t>
+            </a:r>
+            <a:endParaRPr>
+              <a:latin typeface="Roboto"/>
+              <a:ea typeface="Roboto"/>
+              <a:cs typeface="Roboto"/>
+              <a:sym typeface="Roboto"/>
+            </a:endParaRPr>
           </a:p>
         </p:txBody>
       </p:sp>
       <p:pic>
         <p:nvPicPr>
-          <p:cNvPr id="100" name="Google Shape;100;p18"/>
+          <p:cNvPr id="109" name="Google Shape;109;p18"/>
           <p:cNvPicPr preferRelativeResize="0"/>
           <p:nvPr/>
         </p:nvPicPr>
@@ -10648,7 +12838,7 @@
       </p:pic>
       <p:pic>
         <p:nvPicPr>
-          <p:cNvPr id="101" name="Google Shape;101;p18"/>
+          <p:cNvPr id="110" name="Google Shape;110;p18"/>
           <p:cNvPicPr preferRelativeResize="0"/>
           <p:nvPr/>
         </p:nvPicPr>
@@ -10687,7 +12877,7 @@
   <p:cSld>
     <p:spTree>
       <p:nvGrpSpPr>
-        <p:cNvPr id="105" name="Shape 105"/>
+        <p:cNvPr id="114" name="Shape 114"/>
         <p:cNvGrpSpPr/>
         <p:nvPr/>
       </p:nvGrpSpPr>
@@ -10701,7 +12891,7 @@
       </p:grpSpPr>
       <p:sp>
         <p:nvSpPr>
-          <p:cNvPr id="106" name="Google Shape;106;p19"/>
+          <p:cNvPr id="115" name="Google Shape;115;p19"/>
           <p:cNvSpPr txBox="1"/>
           <p:nvPr>
             <p:ph type="title"/>
@@ -10732,10 +12922,10 @@
               <a:buNone/>
             </a:pPr>
             <a:r>
-              <a:rPr lang="pl"/>
+              <a:rPr lang="pl" sz="2600"/>
               <a:t>Usage in single days by single user type</a:t>
             </a:r>
-            <a:endParaRPr>
+            <a:endParaRPr sz="2600">
               <a:solidFill>
                 <a:srgbClr val="F3F3F3"/>
               </a:solidFill>
@@ -10745,7 +12935,7 @@
       </p:sp>
       <p:sp>
         <p:nvSpPr>
-          <p:cNvPr id="107" name="Google Shape;107;p19"/>
+          <p:cNvPr id="116" name="Google Shape;116;p19"/>
           <p:cNvSpPr txBox="1"/>
           <p:nvPr>
             <p:ph idx="1" type="body"/>
@@ -10768,7 +12958,7 @@
           <a:p>
             <a:pPr indent="0" lvl="0" marL="0" rtl="0" algn="just">
               <a:lnSpc>
-                <a:spcPct val="105000"/>
+                <a:spcPct val="115000"/>
               </a:lnSpc>
               <a:spcBef>
                 <a:spcPts val="0"/>
@@ -10779,15 +12969,23 @@
               <a:buNone/>
             </a:pPr>
             <a:r>
-              <a:rPr lang="pl" sz="1300"/>
-              <a:t>The data shows a big difference in bicycle usage of casual users over a week, while annual members use bicycles more regularly.</a:t>
+              <a:rPr lang="pl"/>
+              <a:t>The data shows a big difference in bicycle usage of casual users over a week, while annual members used bicycles </a:t>
             </a:r>
-            <a:endParaRPr sz="1300"/>
+            <a:r>
+              <a:rPr lang="pl" u="sng"/>
+              <a:t>more regularly</a:t>
+            </a:r>
+            <a:r>
+              <a:rPr lang="pl"/>
+              <a:t>.</a:t>
+            </a:r>
+            <a:endParaRPr/>
           </a:p>
           <a:p>
             <a:pPr indent="0" lvl="0" marL="0" rtl="0" algn="just">
               <a:lnSpc>
-                <a:spcPct val="105000"/>
+                <a:spcPct val="115000"/>
               </a:lnSpc>
               <a:spcBef>
                 <a:spcPts val="1200"/>
@@ -10798,16 +12996,16 @@
               <a:buNone/>
             </a:pPr>
             <a:r>
-              <a:rPr lang="pl" sz="1300"/>
+              <a:rPr lang="pl"/>
               <a:t>Splitting the graph allows for a more accurate analysis…</a:t>
             </a:r>
-            <a:endParaRPr sz="1300"/>
+            <a:endParaRPr/>
           </a:p>
         </p:txBody>
       </p:sp>
       <p:pic>
         <p:nvPicPr>
-          <p:cNvPr id="108" name="Google Shape;108;p19"/>
+          <p:cNvPr id="117" name="Google Shape;117;p19"/>
           <p:cNvPicPr preferRelativeResize="0"/>
           <p:nvPr/>
         </p:nvPicPr>
@@ -10846,7 +13044,7 @@
   <p:cSld>
     <p:spTree>
       <p:nvGrpSpPr>
-        <p:cNvPr id="112" name="Shape 112"/>
+        <p:cNvPr id="121" name="Shape 121"/>
         <p:cNvGrpSpPr/>
         <p:nvPr/>
       </p:nvGrpSpPr>
@@ -10860,7 +13058,7 @@
       </p:grpSpPr>
       <p:sp>
         <p:nvSpPr>
-          <p:cNvPr id="113" name="Google Shape;113;p20"/>
+          <p:cNvPr id="122" name="Google Shape;122;p20"/>
           <p:cNvSpPr txBox="1"/>
           <p:nvPr>
             <p:ph type="title"/>
@@ -10877,7 +13075,7 @@
         </p:spPr>
         <p:txBody>
           <a:bodyPr anchorCtr="0" anchor="t" bIns="91425" lIns="91425" spcFirstLastPara="1" rIns="91425" wrap="square" tIns="91425">
-            <a:normAutofit fontScale="90000"/>
+            <a:noAutofit/>
           </a:bodyPr>
           <a:lstStyle/>
           <a:p>
@@ -10888,13 +13086,14 @@
               <a:spcAft>
                 <a:spcPts val="0"/>
               </a:spcAft>
+              <a:buSzPts val="990"/>
               <a:buNone/>
             </a:pPr>
             <a:r>
-              <a:rPr lang="pl"/>
+              <a:rPr lang="pl" sz="2600"/>
               <a:t>Usage in single days by single user type</a:t>
             </a:r>
-            <a:endParaRPr/>
+            <a:endParaRPr sz="2600"/>
           </a:p>
           <a:p>
             <a:pPr indent="0" lvl="0" marL="0" rtl="0" algn="l">
@@ -10904,18 +13103,19 @@
               <a:spcAft>
                 <a:spcPts val="0"/>
               </a:spcAft>
+              <a:buSzPts val="990"/>
               <a:buNone/>
             </a:pPr>
             <a:r>
               <a:t/>
             </a:r>
-            <a:endParaRPr/>
+            <a:endParaRPr sz="2160"/>
           </a:p>
         </p:txBody>
       </p:sp>
       <p:sp>
         <p:nvSpPr>
-          <p:cNvPr id="114" name="Google Shape;114;p20"/>
+          <p:cNvPr id="123" name="Google Shape;123;p20"/>
           <p:cNvSpPr txBox="1"/>
           <p:nvPr>
             <p:ph idx="1" type="body"/>
@@ -10938,7 +13138,7 @@
           <a:p>
             <a:pPr indent="0" lvl="0" marL="0" rtl="0" algn="just">
               <a:lnSpc>
-                <a:spcPct val="95000"/>
+                <a:spcPct val="115000"/>
               </a:lnSpc>
               <a:spcBef>
                 <a:spcPts val="0"/>
@@ -10950,15 +13150,33 @@
               <a:buNone/>
             </a:pPr>
             <a:r>
-              <a:rPr lang="pl" sz="1300">
+              <a:rPr lang="pl">
                 <a:latin typeface="Roboto"/>
                 <a:ea typeface="Roboto"/>
                 <a:cs typeface="Roboto"/>
                 <a:sym typeface="Roboto"/>
               </a:rPr>
-              <a:t>Annual members used bikes more during the work week and less on weekends. The opposite relationship can be observed in case of casual users, while the closer to the end of the working week, them more bike rentals.</a:t>
+              <a:t>Annual members used bikes more </a:t>
             </a:r>
-            <a:endParaRPr sz="1300">
+            <a:r>
+              <a:rPr lang="pl" u="sng">
+                <a:latin typeface="Roboto"/>
+                <a:ea typeface="Roboto"/>
+                <a:cs typeface="Roboto"/>
+                <a:sym typeface="Roboto"/>
+              </a:rPr>
+              <a:t>during the work week</a:t>
+            </a:r>
+            <a:r>
+              <a:rPr lang="pl">
+                <a:latin typeface="Roboto"/>
+                <a:ea typeface="Roboto"/>
+                <a:cs typeface="Roboto"/>
+                <a:sym typeface="Roboto"/>
+              </a:rPr>
+              <a:t> and less on weekends. The opposite relationship can be observed in case of casual users, while the closer to the end of the working week, them more bike rentals.</a:t>
+            </a:r>
+            <a:endParaRPr>
               <a:latin typeface="Roboto"/>
               <a:ea typeface="Roboto"/>
               <a:cs typeface="Roboto"/>
@@ -10968,7 +13186,7 @@
           <a:p>
             <a:pPr indent="0" lvl="0" marL="0" rtl="0" algn="l">
               <a:lnSpc>
-                <a:spcPct val="105000"/>
+                <a:spcPct val="115000"/>
               </a:lnSpc>
               <a:spcBef>
                 <a:spcPts val="1200"/>
@@ -10982,13 +13200,18 @@
             <a:r>
               <a:t/>
             </a:r>
-            <a:endParaRPr sz="1300"/>
+            <a:endParaRPr sz="1300">
+              <a:latin typeface="Roboto"/>
+              <a:ea typeface="Roboto"/>
+              <a:cs typeface="Roboto"/>
+              <a:sym typeface="Roboto"/>
+            </a:endParaRPr>
           </a:p>
         </p:txBody>
       </p:sp>
       <p:pic>
         <p:nvPicPr>
-          <p:cNvPr id="115" name="Google Shape;115;p20"/>
+          <p:cNvPr id="124" name="Google Shape;124;p20"/>
           <p:cNvPicPr preferRelativeResize="0"/>
           <p:nvPr/>
         </p:nvPicPr>
@@ -11016,7 +13239,7 @@
       </p:pic>
       <p:pic>
         <p:nvPicPr>
-          <p:cNvPr id="116" name="Google Shape;116;p20"/>
+          <p:cNvPr id="125" name="Google Shape;125;p20"/>
           <p:cNvPicPr preferRelativeResize="0"/>
           <p:nvPr/>
         </p:nvPicPr>
@@ -11055,7 +13278,7 @@
   <p:cSld>
     <p:spTree>
       <p:nvGrpSpPr>
-        <p:cNvPr id="120" name="Shape 120"/>
+        <p:cNvPr id="129" name="Shape 129"/>
         <p:cNvGrpSpPr/>
         <p:nvPr/>
       </p:nvGrpSpPr>
@@ -11069,7 +13292,7 @@
       </p:grpSpPr>
       <p:sp>
         <p:nvSpPr>
-          <p:cNvPr id="121" name="Google Shape;121;p21"/>
+          <p:cNvPr id="130" name="Google Shape;130;p21"/>
           <p:cNvSpPr txBox="1"/>
           <p:nvPr>
             <p:ph type="title"/>
@@ -11086,7 +13309,7 @@
         </p:spPr>
         <p:txBody>
           <a:bodyPr anchorCtr="0" anchor="t" bIns="91425" lIns="91425" spcFirstLastPara="1" rIns="91425" wrap="square" tIns="91425">
-            <a:normAutofit/>
+            <a:noAutofit/>
           </a:bodyPr>
           <a:lstStyle/>
           <a:p>
@@ -11100,16 +13323,16 @@
               <a:buNone/>
             </a:pPr>
             <a:r>
-              <a:rPr lang="pl"/>
+              <a:rPr lang="pl" sz="2600"/>
               <a:t>Usage in single months</a:t>
             </a:r>
-            <a:endParaRPr/>
+            <a:endParaRPr sz="2600"/>
           </a:p>
         </p:txBody>
       </p:sp>
       <p:sp>
         <p:nvSpPr>
-          <p:cNvPr id="122" name="Google Shape;122;p21"/>
+          <p:cNvPr id="131" name="Google Shape;131;p21"/>
           <p:cNvSpPr txBox="1"/>
           <p:nvPr>
             <p:ph idx="1" type="body"/>
@@ -11131,6 +13354,9 @@
           <a:lstStyle/>
           <a:p>
             <a:pPr indent="0" lvl="0" marL="0" rtl="0" algn="l">
+              <a:lnSpc>
+                <a:spcPct val="100000"/>
+              </a:lnSpc>
               <a:spcBef>
                 <a:spcPts val="0"/>
               </a:spcBef>
@@ -11140,16 +13366,44 @@
               <a:buNone/>
             </a:pPr>
             <a:r>
-              <a:rPr lang="pl" sz="1300"/>
-              <a:t>The vast majority of rentals took place in the warm season from May to October.</a:t>
+              <a:rPr lang="pl">
+                <a:latin typeface="Roboto"/>
+                <a:ea typeface="Roboto"/>
+                <a:cs typeface="Roboto"/>
+                <a:sym typeface="Roboto"/>
+              </a:rPr>
+              <a:t>The vast majority of rentals took place in the warm season from </a:t>
             </a:r>
-            <a:endParaRPr sz="1300"/>
+            <a:r>
+              <a:rPr lang="pl" u="sng">
+                <a:latin typeface="Roboto"/>
+                <a:ea typeface="Roboto"/>
+                <a:cs typeface="Roboto"/>
+                <a:sym typeface="Roboto"/>
+              </a:rPr>
+              <a:t>May to October</a:t>
+            </a:r>
+            <a:r>
+              <a:rPr lang="pl">
+                <a:latin typeface="Roboto"/>
+                <a:ea typeface="Roboto"/>
+                <a:cs typeface="Roboto"/>
+                <a:sym typeface="Roboto"/>
+              </a:rPr>
+              <a:t>.</a:t>
+            </a:r>
+            <a:endParaRPr>
+              <a:latin typeface="Roboto"/>
+              <a:ea typeface="Roboto"/>
+              <a:cs typeface="Roboto"/>
+              <a:sym typeface="Roboto"/>
+            </a:endParaRPr>
           </a:p>
         </p:txBody>
       </p:sp>
       <p:pic>
         <p:nvPicPr>
-          <p:cNvPr id="123" name="Google Shape;123;p21"/>
+          <p:cNvPr id="132" name="Google Shape;132;p21"/>
           <p:cNvPicPr preferRelativeResize="0"/>
           <p:nvPr/>
         </p:nvPicPr>
@@ -11177,7 +13431,7 @@
       </p:pic>
       <p:pic>
         <p:nvPicPr>
-          <p:cNvPr id="124" name="Google Shape;124;p21"/>
+          <p:cNvPr id="133" name="Google Shape;133;p21"/>
           <p:cNvPicPr preferRelativeResize="0"/>
           <p:nvPr/>
         </p:nvPicPr>
@@ -11191,7 +13445,7 @@
         </p:blipFill>
         <p:spPr>
           <a:xfrm>
-            <a:off x="4625988" y="1671750"/>
+            <a:off x="4626000" y="1671750"/>
             <a:ext cx="4320000" cy="3240000"/>
           </a:xfrm>
           <a:prstGeom prst="rect">
@@ -11212,6 +13466,285 @@
 </file>
 
 <file path=ppt/theme/theme1.xml><?xml version="1.0" encoding="utf-8"?>
+<a:theme xmlns:a="http://schemas.openxmlformats.org/drawingml/2006/main" xmlns:r="http://schemas.openxmlformats.org/officeDocument/2006/relationships" name="Paradigm">
+  <a:themeElements>
+    <a:clrScheme name="Paradigm">
+      <a:dk1>
+        <a:srgbClr val="31394D"/>
+      </a:dk1>
+      <a:lt1>
+        <a:srgbClr val="FFFFFF"/>
+      </a:lt1>
+      <a:dk2>
+        <a:srgbClr val="666666"/>
+      </a:dk2>
+      <a:lt2>
+        <a:srgbClr val="626B73"/>
+      </a:lt2>
+      <a:accent1>
+        <a:srgbClr val="002F4A"/>
+      </a:accent1>
+      <a:accent2>
+        <a:srgbClr val="D9C4B1"/>
+      </a:accent2>
+      <a:accent3>
+        <a:srgbClr val="EDE3DA"/>
+      </a:accent3>
+      <a:accent4>
+        <a:srgbClr val="B85741"/>
+      </a:accent4>
+      <a:accent5>
+        <a:srgbClr val="009384"/>
+      </a:accent5>
+      <a:accent6>
+        <a:srgbClr val="D0F6FF"/>
+      </a:accent6>
+      <a:hlink>
+        <a:srgbClr val="3F94A4"/>
+      </a:hlink>
+      <a:folHlink>
+        <a:srgbClr val="009384"/>
+      </a:folHlink>
+    </a:clrScheme>
+    <a:fontScheme name="Office">
+      <a:majorFont>
+        <a:latin typeface="Arial"/>
+        <a:ea typeface=""/>
+        <a:cs typeface=""/>
+        <a:font script="Jpan" typeface="ＭＳ Ｐゴシック"/>
+        <a:font script="Hang" typeface="맑은 고딕"/>
+        <a:font script="Hans" typeface="宋体"/>
+        <a:font script="Hant" typeface="新細明體"/>
+        <a:font script="Arab" typeface="Times New Roman"/>
+        <a:font script="Hebr" typeface="Times New Roman"/>
+        <a:font script="Thai" typeface="Angsana New"/>
+        <a:font script="Ethi" typeface="Nyala"/>
+        <a:font script="Beng" typeface="Vrinda"/>
+        <a:font script="Gujr" typeface="Shruti"/>
+        <a:font script="Khmr" typeface="MoolBoran"/>
+        <a:font script="Knda" typeface="Tunga"/>
+        <a:font script="Guru" typeface="Raavi"/>
+        <a:font script="Cans" typeface="Euphemia"/>
+        <a:font script="Cher" typeface="Plantagenet Cherokee"/>
+        <a:font script="Yiii" typeface="Microsoft Yi Baiti"/>
+        <a:font script="Tibt" typeface="Microsoft Himalaya"/>
+        <a:font script="Thaa" typeface="MV Boli"/>
+        <a:font script="Deva" typeface="Mangal"/>
+        <a:font script="Telu" typeface="Gautami"/>
+        <a:font script="Taml" typeface="Latha"/>
+        <a:font script="Syrc" typeface="Estrangelo Edessa"/>
+        <a:font script="Orya" typeface="Kalinga"/>
+        <a:font script="Mlym" typeface="Kartika"/>
+        <a:font script="Laoo" typeface="DokChampa"/>
+        <a:font script="Sinh" typeface="Iskoola Pota"/>
+        <a:font script="Mong" typeface="Mongolian Baiti"/>
+        <a:font script="Viet" typeface="Times New Roman"/>
+        <a:font script="Uigh" typeface="Microsoft Uighur"/>
+        <a:font script="Geor" typeface="Sylfaen"/>
+      </a:majorFont>
+      <a:minorFont>
+        <a:latin typeface="Arial"/>
+        <a:ea typeface=""/>
+        <a:cs typeface=""/>
+        <a:font script="Jpan" typeface="ＭＳ Ｐゴシック"/>
+        <a:font script="Hang" typeface="맑은 고딕"/>
+        <a:font script="Hans" typeface="宋体"/>
+        <a:font script="Hant" typeface="新細明體"/>
+        <a:font script="Arab" typeface="Arial"/>
+        <a:font script="Hebr" typeface="Arial"/>
+        <a:font script="Thai" typeface="Cordia New"/>
+        <a:font script="Ethi" typeface="Nyala"/>
+        <a:font script="Beng" typeface="Vrinda"/>
+        <a:font script="Gujr" typeface="Shruti"/>
+        <a:font script="Khmr" typeface="DaunPenh"/>
+        <a:font script="Knda" typeface="Tunga"/>
+        <a:font script="Guru" typeface="Raavi"/>
+        <a:font script="Cans" typeface="Euphemia"/>
+        <a:font script="Cher" typeface="Plantagenet Cherokee"/>
+        <a:font script="Yiii" typeface="Microsoft Yi Baiti"/>
+        <a:font script="Tibt" typeface="Microsoft Himalaya"/>
+        <a:font script="Thaa" typeface="MV Boli"/>
+        <a:font script="Deva" typeface="Mangal"/>
+        <a:font script="Telu" typeface="Gautami"/>
+        <a:font script="Taml" typeface="Latha"/>
+        <a:font script="Syrc" typeface="Estrangelo Edessa"/>
+        <a:font script="Orya" typeface="Kalinga"/>
+        <a:font script="Mlym" typeface="Kartika"/>
+        <a:font script="Laoo" typeface="DokChampa"/>
+        <a:font script="Sinh" typeface="Iskoola Pota"/>
+        <a:font script="Mong" typeface="Mongolian Baiti"/>
+        <a:font script="Viet" typeface="Arial"/>
+        <a:font script="Uigh" typeface="Microsoft Uighur"/>
+        <a:font script="Geor" typeface="Sylfaen"/>
+      </a:minorFont>
+    </a:fontScheme>
+    <a:fmtScheme name="Office">
+      <a:fillStyleLst>
+        <a:solidFill>
+          <a:schemeClr val="phClr"/>
+        </a:solidFill>
+        <a:gradFill rotWithShape="1">
+          <a:gsLst>
+            <a:gs pos="0">
+              <a:schemeClr val="phClr">
+                <a:tint val="50000"/>
+                <a:satMod val="300000"/>
+              </a:schemeClr>
+            </a:gs>
+            <a:gs pos="35000">
+              <a:schemeClr val="phClr">
+                <a:tint val="37000"/>
+                <a:satMod val="300000"/>
+              </a:schemeClr>
+            </a:gs>
+            <a:gs pos="100000">
+              <a:schemeClr val="phClr">
+                <a:tint val="15000"/>
+                <a:satMod val="350000"/>
+              </a:schemeClr>
+            </a:gs>
+          </a:gsLst>
+          <a:lin ang="16200000" scaled="1"/>
+        </a:gradFill>
+        <a:gradFill rotWithShape="1">
+          <a:gsLst>
+            <a:gs pos="0">
+              <a:schemeClr val="phClr">
+                <a:tint val="100000"/>
+                <a:shade val="100000"/>
+                <a:satMod val="130000"/>
+              </a:schemeClr>
+            </a:gs>
+            <a:gs pos="100000">
+              <a:schemeClr val="phClr">
+                <a:tint val="50000"/>
+                <a:shade val="100000"/>
+                <a:satMod val="350000"/>
+              </a:schemeClr>
+            </a:gs>
+          </a:gsLst>
+          <a:lin ang="16200000" scaled="0"/>
+        </a:gradFill>
+      </a:fillStyleLst>
+      <a:lnStyleLst>
+        <a:ln w="9525" cap="flat" cmpd="sng" algn="ctr">
+          <a:solidFill>
+            <a:schemeClr val="phClr">
+              <a:shade val="95000"/>
+              <a:satMod val="105000"/>
+            </a:schemeClr>
+          </a:solidFill>
+          <a:prstDash val="solid"/>
+        </a:ln>
+        <a:ln w="25400" cap="flat" cmpd="sng" algn="ctr">
+          <a:solidFill>
+            <a:schemeClr val="phClr"/>
+          </a:solidFill>
+          <a:prstDash val="solid"/>
+        </a:ln>
+        <a:ln w="38100" cap="flat" cmpd="sng" algn="ctr">
+          <a:solidFill>
+            <a:schemeClr val="phClr"/>
+          </a:solidFill>
+          <a:prstDash val="solid"/>
+        </a:ln>
+      </a:lnStyleLst>
+      <a:effectStyleLst>
+        <a:effectStyle>
+          <a:effectLst>
+            <a:outerShdw blurRad="40000" dist="20000" dir="5400000" rotWithShape="0">
+              <a:srgbClr val="000000">
+                <a:alpha val="38000"/>
+              </a:srgbClr>
+            </a:outerShdw>
+          </a:effectLst>
+        </a:effectStyle>
+        <a:effectStyle>
+          <a:effectLst>
+            <a:outerShdw blurRad="40000" dist="23000" dir="5400000" rotWithShape="0">
+              <a:srgbClr val="000000">
+                <a:alpha val="35000"/>
+              </a:srgbClr>
+            </a:outerShdw>
+          </a:effectLst>
+        </a:effectStyle>
+        <a:effectStyle>
+          <a:effectLst>
+            <a:outerShdw blurRad="40000" dist="23000" dir="5400000" rotWithShape="0">
+              <a:srgbClr val="000000">
+                <a:alpha val="35000"/>
+              </a:srgbClr>
+            </a:outerShdw>
+          </a:effectLst>
+          <a:scene3d>
+            <a:camera prst="orthographicFront">
+              <a:rot lat="0" lon="0" rev="0"/>
+            </a:camera>
+            <a:lightRig rig="threePt" dir="t">
+              <a:rot lat="0" lon="0" rev="1200000"/>
+            </a:lightRig>
+          </a:scene3d>
+          <a:sp3d>
+            <a:bevelT w="63500" h="25400"/>
+          </a:sp3d>
+        </a:effectStyle>
+      </a:effectStyleLst>
+      <a:bgFillStyleLst>
+        <a:solidFill>
+          <a:schemeClr val="phClr"/>
+        </a:solidFill>
+        <a:gradFill rotWithShape="1">
+          <a:gsLst>
+            <a:gs pos="0">
+              <a:schemeClr val="phClr">
+                <a:tint val="40000"/>
+                <a:satMod val="350000"/>
+              </a:schemeClr>
+            </a:gs>
+            <a:gs pos="40000">
+              <a:schemeClr val="phClr">
+                <a:tint val="45000"/>
+                <a:shade val="99000"/>
+                <a:satMod val="350000"/>
+              </a:schemeClr>
+            </a:gs>
+            <a:gs pos="100000">
+              <a:schemeClr val="phClr">
+                <a:shade val="20000"/>
+                <a:satMod val="255000"/>
+              </a:schemeClr>
+            </a:gs>
+          </a:gsLst>
+          <a:path path="circle">
+            <a:fillToRect l="50000" t="-80000" r="50000" b="180000"/>
+          </a:path>
+        </a:gradFill>
+        <a:gradFill rotWithShape="1">
+          <a:gsLst>
+            <a:gs pos="0">
+              <a:schemeClr val="phClr">
+                <a:tint val="80000"/>
+                <a:satMod val="300000"/>
+              </a:schemeClr>
+            </a:gs>
+            <a:gs pos="100000">
+              <a:schemeClr val="phClr">
+                <a:shade val="30000"/>
+                <a:satMod val="200000"/>
+              </a:schemeClr>
+            </a:gs>
+          </a:gsLst>
+          <a:path path="circle">
+            <a:fillToRect l="50000" t="50000" r="50000" b="50000"/>
+          </a:path>
+        </a:gradFill>
+      </a:bgFillStyleLst>
+    </a:fmtScheme>
+  </a:themeElements>
+</a:theme>
+</file>
+
+<file path=ppt/theme/theme2.xml><?xml version="1.0" encoding="utf-8"?>
 <a:theme xmlns:a="http://schemas.openxmlformats.org/drawingml/2006/main" xmlns:r="http://schemas.openxmlformats.org/officeDocument/2006/relationships">
   <a:themeElements>
     <a:clrScheme name="Default">
@@ -11488,283 +14021,4 @@
     </a:fmtScheme>
   </a:themeElements>
 </a:theme>
-</file>
-
-<file path=ppt/theme/theme2.xml><?xml version="1.0" encoding="utf-8"?>
-<a:theme xmlns:a="http://schemas.openxmlformats.org/drawingml/2006/main" xmlns:r="http://schemas.openxmlformats.org/officeDocument/2006/relationships" name="Paradigm">
-  <a:themeElements>
-    <a:clrScheme name="Paradigm">
-      <a:dk1>
-        <a:srgbClr val="31394D"/>
-      </a:dk1>
-      <a:lt1>
-        <a:srgbClr val="FFFFFF"/>
-      </a:lt1>
-      <a:dk2>
-        <a:srgbClr val="666666"/>
-      </a:dk2>
-      <a:lt2>
-        <a:srgbClr val="626B73"/>
-      </a:lt2>
-      <a:accent1>
-        <a:srgbClr val="002F4A"/>
-      </a:accent1>
-      <a:accent2>
-        <a:srgbClr val="D9C4B1"/>
-      </a:accent2>
-      <a:accent3>
-        <a:srgbClr val="EDE3DA"/>
-      </a:accent3>
-      <a:accent4>
-        <a:srgbClr val="B85741"/>
-      </a:accent4>
-      <a:accent5>
-        <a:srgbClr val="009384"/>
-      </a:accent5>
-      <a:accent6>
-        <a:srgbClr val="D0F6FF"/>
-      </a:accent6>
-      <a:hlink>
-        <a:srgbClr val="3F94A4"/>
-      </a:hlink>
-      <a:folHlink>
-        <a:srgbClr val="009384"/>
-      </a:folHlink>
-    </a:clrScheme>
-    <a:fontScheme name="Office">
-      <a:majorFont>
-        <a:latin typeface="Arial"/>
-        <a:ea typeface=""/>
-        <a:cs typeface=""/>
-        <a:font script="Jpan" typeface="ＭＳ Ｐゴシック"/>
-        <a:font script="Hang" typeface="맑은 고딕"/>
-        <a:font script="Hans" typeface="宋体"/>
-        <a:font script="Hant" typeface="新細明體"/>
-        <a:font script="Arab" typeface="Times New Roman"/>
-        <a:font script="Hebr" typeface="Times New Roman"/>
-        <a:font script="Thai" typeface="Angsana New"/>
-        <a:font script="Ethi" typeface="Nyala"/>
-        <a:font script="Beng" typeface="Vrinda"/>
-        <a:font script="Gujr" typeface="Shruti"/>
-        <a:font script="Khmr" typeface="MoolBoran"/>
-        <a:font script="Knda" typeface="Tunga"/>
-        <a:font script="Guru" typeface="Raavi"/>
-        <a:font script="Cans" typeface="Euphemia"/>
-        <a:font script="Cher" typeface="Plantagenet Cherokee"/>
-        <a:font script="Yiii" typeface="Microsoft Yi Baiti"/>
-        <a:font script="Tibt" typeface="Microsoft Himalaya"/>
-        <a:font script="Thaa" typeface="MV Boli"/>
-        <a:font script="Deva" typeface="Mangal"/>
-        <a:font script="Telu" typeface="Gautami"/>
-        <a:font script="Taml" typeface="Latha"/>
-        <a:font script="Syrc" typeface="Estrangelo Edessa"/>
-        <a:font script="Orya" typeface="Kalinga"/>
-        <a:font script="Mlym" typeface="Kartika"/>
-        <a:font script="Laoo" typeface="DokChampa"/>
-        <a:font script="Sinh" typeface="Iskoola Pota"/>
-        <a:font script="Mong" typeface="Mongolian Baiti"/>
-        <a:font script="Viet" typeface="Times New Roman"/>
-        <a:font script="Uigh" typeface="Microsoft Uighur"/>
-        <a:font script="Geor" typeface="Sylfaen"/>
-      </a:majorFont>
-      <a:minorFont>
-        <a:latin typeface="Arial"/>
-        <a:ea typeface=""/>
-        <a:cs typeface=""/>
-        <a:font script="Jpan" typeface="ＭＳ Ｐゴシック"/>
-        <a:font script="Hang" typeface="맑은 고딕"/>
-        <a:font script="Hans" typeface="宋体"/>
-        <a:font script="Hant" typeface="新細明體"/>
-        <a:font script="Arab" typeface="Arial"/>
-        <a:font script="Hebr" typeface="Arial"/>
-        <a:font script="Thai" typeface="Cordia New"/>
-        <a:font script="Ethi" typeface="Nyala"/>
-        <a:font script="Beng" typeface="Vrinda"/>
-        <a:font script="Gujr" typeface="Shruti"/>
-        <a:font script="Khmr" typeface="DaunPenh"/>
-        <a:font script="Knda" typeface="Tunga"/>
-        <a:font script="Guru" typeface="Raavi"/>
-        <a:font script="Cans" typeface="Euphemia"/>
-        <a:font script="Cher" typeface="Plantagenet Cherokee"/>
-        <a:font script="Yiii" typeface="Microsoft Yi Baiti"/>
-        <a:font script="Tibt" typeface="Microsoft Himalaya"/>
-        <a:font script="Thaa" typeface="MV Boli"/>
-        <a:font script="Deva" typeface="Mangal"/>
-        <a:font script="Telu" typeface="Gautami"/>
-        <a:font script="Taml" typeface="Latha"/>
-        <a:font script="Syrc" typeface="Estrangelo Edessa"/>
-        <a:font script="Orya" typeface="Kalinga"/>
-        <a:font script="Mlym" typeface="Kartika"/>
-        <a:font script="Laoo" typeface="DokChampa"/>
-        <a:font script="Sinh" typeface="Iskoola Pota"/>
-        <a:font script="Mong" typeface="Mongolian Baiti"/>
-        <a:font script="Viet" typeface="Arial"/>
-        <a:font script="Uigh" typeface="Microsoft Uighur"/>
-        <a:font script="Geor" typeface="Sylfaen"/>
-      </a:minorFont>
-    </a:fontScheme>
-    <a:fmtScheme name="Office">
-      <a:fillStyleLst>
-        <a:solidFill>
-          <a:schemeClr val="phClr"/>
-        </a:solidFill>
-        <a:gradFill rotWithShape="1">
-          <a:gsLst>
-            <a:gs pos="0">
-              <a:schemeClr val="phClr">
-                <a:tint val="50000"/>
-                <a:satMod val="300000"/>
-              </a:schemeClr>
-            </a:gs>
-            <a:gs pos="35000">
-              <a:schemeClr val="phClr">
-                <a:tint val="37000"/>
-                <a:satMod val="300000"/>
-              </a:schemeClr>
-            </a:gs>
-            <a:gs pos="100000">
-              <a:schemeClr val="phClr">
-                <a:tint val="15000"/>
-                <a:satMod val="350000"/>
-              </a:schemeClr>
-            </a:gs>
-          </a:gsLst>
-          <a:lin ang="16200000" scaled="1"/>
-        </a:gradFill>
-        <a:gradFill rotWithShape="1">
-          <a:gsLst>
-            <a:gs pos="0">
-              <a:schemeClr val="phClr">
-                <a:tint val="100000"/>
-                <a:shade val="100000"/>
-                <a:satMod val="130000"/>
-              </a:schemeClr>
-            </a:gs>
-            <a:gs pos="100000">
-              <a:schemeClr val="phClr">
-                <a:tint val="50000"/>
-                <a:shade val="100000"/>
-                <a:satMod val="350000"/>
-              </a:schemeClr>
-            </a:gs>
-          </a:gsLst>
-          <a:lin ang="16200000" scaled="0"/>
-        </a:gradFill>
-      </a:fillStyleLst>
-      <a:lnStyleLst>
-        <a:ln w="9525" cap="flat" cmpd="sng" algn="ctr">
-          <a:solidFill>
-            <a:schemeClr val="phClr">
-              <a:shade val="95000"/>
-              <a:satMod val="105000"/>
-            </a:schemeClr>
-          </a:solidFill>
-          <a:prstDash val="solid"/>
-        </a:ln>
-        <a:ln w="25400" cap="flat" cmpd="sng" algn="ctr">
-          <a:solidFill>
-            <a:schemeClr val="phClr"/>
-          </a:solidFill>
-          <a:prstDash val="solid"/>
-        </a:ln>
-        <a:ln w="38100" cap="flat" cmpd="sng" algn="ctr">
-          <a:solidFill>
-            <a:schemeClr val="phClr"/>
-          </a:solidFill>
-          <a:prstDash val="solid"/>
-        </a:ln>
-      </a:lnStyleLst>
-      <a:effectStyleLst>
-        <a:effectStyle>
-          <a:effectLst>
-            <a:outerShdw blurRad="40000" dist="20000" dir="5400000" rotWithShape="0">
-              <a:srgbClr val="000000">
-                <a:alpha val="38000"/>
-              </a:srgbClr>
-            </a:outerShdw>
-          </a:effectLst>
-        </a:effectStyle>
-        <a:effectStyle>
-          <a:effectLst>
-            <a:outerShdw blurRad="40000" dist="23000" dir="5400000" rotWithShape="0">
-              <a:srgbClr val="000000">
-                <a:alpha val="35000"/>
-              </a:srgbClr>
-            </a:outerShdw>
-          </a:effectLst>
-        </a:effectStyle>
-        <a:effectStyle>
-          <a:effectLst>
-            <a:outerShdw blurRad="40000" dist="23000" dir="5400000" rotWithShape="0">
-              <a:srgbClr val="000000">
-                <a:alpha val="35000"/>
-              </a:srgbClr>
-            </a:outerShdw>
-          </a:effectLst>
-          <a:scene3d>
-            <a:camera prst="orthographicFront">
-              <a:rot lat="0" lon="0" rev="0"/>
-            </a:camera>
-            <a:lightRig rig="threePt" dir="t">
-              <a:rot lat="0" lon="0" rev="1200000"/>
-            </a:lightRig>
-          </a:scene3d>
-          <a:sp3d>
-            <a:bevelT w="63500" h="25400"/>
-          </a:sp3d>
-        </a:effectStyle>
-      </a:effectStyleLst>
-      <a:bgFillStyleLst>
-        <a:solidFill>
-          <a:schemeClr val="phClr"/>
-        </a:solidFill>
-        <a:gradFill rotWithShape="1">
-          <a:gsLst>
-            <a:gs pos="0">
-              <a:schemeClr val="phClr">
-                <a:tint val="40000"/>
-                <a:satMod val="350000"/>
-              </a:schemeClr>
-            </a:gs>
-            <a:gs pos="40000">
-              <a:schemeClr val="phClr">
-                <a:tint val="45000"/>
-                <a:shade val="99000"/>
-                <a:satMod val="350000"/>
-              </a:schemeClr>
-            </a:gs>
-            <a:gs pos="100000">
-              <a:schemeClr val="phClr">
-                <a:shade val="20000"/>
-                <a:satMod val="255000"/>
-              </a:schemeClr>
-            </a:gs>
-          </a:gsLst>
-          <a:path path="circle">
-            <a:fillToRect l="50000" t="-80000" r="50000" b="180000"/>
-          </a:path>
-        </a:gradFill>
-        <a:gradFill rotWithShape="1">
-          <a:gsLst>
-            <a:gs pos="0">
-              <a:schemeClr val="phClr">
-                <a:tint val="80000"/>
-                <a:satMod val="300000"/>
-              </a:schemeClr>
-            </a:gs>
-            <a:gs pos="100000">
-              <a:schemeClr val="phClr">
-                <a:shade val="30000"/>
-                <a:satMod val="200000"/>
-              </a:schemeClr>
-            </a:gs>
-          </a:gsLst>
-          <a:path path="circle">
-            <a:fillToRect l="50000" t="50000" r="50000" b="50000"/>
-          </a:path>
-        </a:gradFill>
-      </a:bgFillStyleLst>
-    </a:fmtScheme>
-  </a:themeElements>
-</a:theme>
 </file>